--- a/resources/logo.pptx
+++ b/resources/logo.pptx
@@ -2973,2459 +2973,2439 @@
           <a:chExt cx="0" cy="0"/>
         </a:xfrm>
       </p:grpSpPr>
-      <p:grpSp>
-        <p:nvGrpSpPr>
-          <p:cNvPr id="86" name="Group 85">
+      <p:sp>
+        <p:nvSpPr>
+          <p:cNvPr id="117" name="RAYVENS">
             <a:extLst>
               <a:ext uri="{FF2B5EF4-FFF2-40B4-BE49-F238E27FC236}">
-                <a16:creationId xmlns:a16="http://schemas.microsoft.com/office/drawing/2014/main" id="{A78C11AF-DCBD-7841-9C6E-0DE28D0672FF}"/>
+                <a16:creationId xmlns:a16="http://schemas.microsoft.com/office/drawing/2014/main" id="{3C00F9FE-2675-494B-9E99-BEAEB62D2E2D}"/>
               </a:ext>
             </a:extLst>
           </p:cNvPr>
-          <p:cNvGrpSpPr/>
+          <p:cNvSpPr txBox="1"/>
           <p:nvPr/>
-        </p:nvGrpSpPr>
-        <p:grpSpPr>
-          <a:xfrm>
-            <a:off x="269579" y="231607"/>
-            <a:ext cx="7388855" cy="2711423"/>
-            <a:chOff x="2337581" y="1810562"/>
-            <a:chExt cx="7388855" cy="2711424"/>
-          </a:xfrm>
-        </p:grpSpPr>
-        <p:sp>
-          <p:nvSpPr>
-            <p:cNvPr id="42" name="Connection Line">
-              <a:extLst>
-                <a:ext uri="{FF2B5EF4-FFF2-40B4-BE49-F238E27FC236}">
-                  <a16:creationId xmlns:a16="http://schemas.microsoft.com/office/drawing/2014/main" id="{EEE222F3-E600-B34A-A150-C58CEE9ABCB5}"/>
-                </a:ext>
-              </a:extLst>
-            </p:cNvPr>
-            <p:cNvSpPr/>
-            <p:nvPr/>
-          </p:nvSpPr>
-          <p:spPr>
-            <a:xfrm>
-              <a:off x="2365605" y="2296367"/>
-              <a:ext cx="450997" cy="264576"/>
-            </a:xfrm>
-            <a:custGeom>
-              <a:avLst/>
-              <a:gdLst/>
-              <a:ahLst/>
-              <a:cxnLst>
-                <a:cxn ang="0">
-                  <a:pos x="wd2" y="hd2"/>
-                </a:cxn>
-                <a:cxn ang="5400000">
-                  <a:pos x="wd2" y="hd2"/>
-                </a:cxn>
-                <a:cxn ang="10800000">
-                  <a:pos x="wd2" y="hd2"/>
-                </a:cxn>
-                <a:cxn ang="16200000">
-                  <a:pos x="wd2" y="hd2"/>
-                </a:cxn>
-              </a:cxnLst>
-              <a:rect l="0" t="0" r="r" b="b"/>
-              <a:pathLst>
-                <a:path w="21600" h="21600" extrusionOk="0">
-                  <a:moveTo>
-                    <a:pt x="0" y="21600"/>
-                  </a:moveTo>
-                  <a:cubicBezTo>
-                    <a:pt x="6195" y="11954"/>
-                    <a:pt x="13395" y="4754"/>
-                    <a:pt x="21600" y="0"/>
-                  </a:cubicBezTo>
-                </a:path>
-              </a:pathLst>
-            </a:custGeom>
-            <a:ln w="76200">
-              <a:solidFill>
-                <a:srgbClr val="000000"/>
-              </a:solidFill>
-              <a:miter lim="400000"/>
-            </a:ln>
-          </p:spPr>
-          <p:txBody>
-            <a:bodyPr/>
-            <a:lstStyle/>
-            <a:p>
-              <a:endParaRPr sz="1261"/>
-            </a:p>
-          </p:txBody>
-        </p:sp>
-        <p:sp>
-          <p:nvSpPr>
-            <p:cNvPr id="43" name="Connection Line">
-              <a:extLst>
-                <a:ext uri="{FF2B5EF4-FFF2-40B4-BE49-F238E27FC236}">
-                  <a16:creationId xmlns:a16="http://schemas.microsoft.com/office/drawing/2014/main" id="{09377BFF-CF31-BC4C-BF16-9FACDBFF41E1}"/>
-                </a:ext>
-              </a:extLst>
-            </p:cNvPr>
-            <p:cNvSpPr/>
-            <p:nvPr/>
-          </p:nvSpPr>
-          <p:spPr>
-            <a:xfrm>
-              <a:off x="2337581" y="2561000"/>
-              <a:ext cx="1046139" cy="107543"/>
-            </a:xfrm>
-            <a:custGeom>
-              <a:avLst/>
-              <a:gdLst/>
-              <a:ahLst/>
-              <a:cxnLst>
-                <a:cxn ang="0">
-                  <a:pos x="wd2" y="hd2"/>
-                </a:cxn>
-                <a:cxn ang="5400000">
-                  <a:pos x="wd2" y="hd2"/>
-                </a:cxn>
-                <a:cxn ang="10800000">
-                  <a:pos x="wd2" y="hd2"/>
-                </a:cxn>
-                <a:cxn ang="16200000">
-                  <a:pos x="wd2" y="hd2"/>
-                </a:cxn>
-              </a:cxnLst>
-              <a:rect l="0" t="0" r="r" b="b"/>
-              <a:pathLst>
-                <a:path w="21600" h="21600" extrusionOk="0">
-                  <a:moveTo>
-                    <a:pt x="0" y="0"/>
-                  </a:moveTo>
-                  <a:lnTo>
-                    <a:pt x="21600" y="21600"/>
-                  </a:lnTo>
-                </a:path>
-              </a:pathLst>
-            </a:custGeom>
-            <a:ln w="76200">
-              <a:solidFill>
-                <a:srgbClr val="000000"/>
-              </a:solidFill>
-              <a:miter lim="400000"/>
-            </a:ln>
-          </p:spPr>
-          <p:txBody>
-            <a:bodyPr/>
-            <a:lstStyle/>
-            <a:p>
-              <a:endParaRPr sz="1261"/>
-            </a:p>
-          </p:txBody>
-        </p:sp>
-        <p:sp>
-          <p:nvSpPr>
-            <p:cNvPr id="44" name="Connection Line">
-              <a:extLst>
-                <a:ext uri="{FF2B5EF4-FFF2-40B4-BE49-F238E27FC236}">
-                  <a16:creationId xmlns:a16="http://schemas.microsoft.com/office/drawing/2014/main" id="{1DE1992F-3937-E247-993E-B72C57B6924F}"/>
-                </a:ext>
-              </a:extLst>
-            </p:cNvPr>
-            <p:cNvSpPr/>
-            <p:nvPr/>
-          </p:nvSpPr>
-          <p:spPr>
-            <a:xfrm>
-              <a:off x="3550434" y="1811070"/>
-              <a:ext cx="1094609" cy="464969"/>
-            </a:xfrm>
-            <a:custGeom>
-              <a:avLst/>
-              <a:gdLst/>
-              <a:ahLst/>
-              <a:cxnLst>
-                <a:cxn ang="0">
-                  <a:pos x="wd2" y="hd2"/>
-                </a:cxn>
-                <a:cxn ang="5400000">
-                  <a:pos x="wd2" y="hd2"/>
-                </a:cxn>
-                <a:cxn ang="10800000">
-                  <a:pos x="wd2" y="hd2"/>
-                </a:cxn>
-                <a:cxn ang="16200000">
-                  <a:pos x="wd2" y="hd2"/>
-                </a:cxn>
-              </a:cxnLst>
-              <a:rect l="0" t="0" r="r" b="b"/>
-              <a:pathLst>
-                <a:path w="21600" h="16893" extrusionOk="0">
-                  <a:moveTo>
-                    <a:pt x="0" y="16893"/>
-                  </a:moveTo>
-                  <a:cubicBezTo>
-                    <a:pt x="2852" y="-1069"/>
-                    <a:pt x="10052" y="-4707"/>
-                    <a:pt x="21600" y="5979"/>
-                  </a:cubicBezTo>
-                </a:path>
-              </a:pathLst>
-            </a:custGeom>
-            <a:ln w="76200">
-              <a:solidFill>
-                <a:srgbClr val="000000"/>
-              </a:solidFill>
-              <a:miter lim="400000"/>
-            </a:ln>
-          </p:spPr>
-          <p:txBody>
-            <a:bodyPr/>
-            <a:lstStyle/>
-            <a:p>
-              <a:endParaRPr sz="1261"/>
-            </a:p>
-          </p:txBody>
-        </p:sp>
-        <p:sp>
-          <p:nvSpPr>
-            <p:cNvPr id="45" name="Connection Line">
-              <a:extLst>
-                <a:ext uri="{FF2B5EF4-FFF2-40B4-BE49-F238E27FC236}">
-                  <a16:creationId xmlns:a16="http://schemas.microsoft.com/office/drawing/2014/main" id="{8D502D66-AC1C-BC4F-AE11-72EF02DBA438}"/>
-                </a:ext>
-              </a:extLst>
-            </p:cNvPr>
-            <p:cNvSpPr/>
-            <p:nvPr/>
-          </p:nvSpPr>
-          <p:spPr>
-            <a:xfrm>
-              <a:off x="3355120" y="2657086"/>
-              <a:ext cx="415566" cy="929179"/>
-            </a:xfrm>
-            <a:custGeom>
-              <a:avLst/>
-              <a:gdLst/>
-              <a:ahLst/>
-              <a:cxnLst>
-                <a:cxn ang="0">
-                  <a:pos x="wd2" y="hd2"/>
-                </a:cxn>
-                <a:cxn ang="5400000">
-                  <a:pos x="wd2" y="hd2"/>
-                </a:cxn>
-                <a:cxn ang="10800000">
-                  <a:pos x="wd2" y="hd2"/>
-                </a:cxn>
-                <a:cxn ang="16200000">
-                  <a:pos x="wd2" y="hd2"/>
-                </a:cxn>
-              </a:cxnLst>
-              <a:rect l="0" t="0" r="r" b="b"/>
-              <a:pathLst>
-                <a:path w="20565" h="21600" extrusionOk="0">
-                  <a:moveTo>
-                    <a:pt x="0" y="0"/>
-                  </a:moveTo>
-                  <a:cubicBezTo>
-                    <a:pt x="14787" y="7590"/>
-                    <a:pt x="21600" y="14790"/>
-                    <a:pt x="20438" y="21600"/>
-                  </a:cubicBezTo>
-                </a:path>
-              </a:pathLst>
-            </a:custGeom>
-            <a:ln w="76200">
-              <a:solidFill>
-                <a:srgbClr val="000000"/>
-              </a:solidFill>
-              <a:miter lim="400000"/>
-            </a:ln>
-          </p:spPr>
-          <p:txBody>
-            <a:bodyPr/>
-            <a:lstStyle/>
-            <a:p>
-              <a:endParaRPr sz="1261"/>
-            </a:p>
-          </p:txBody>
-        </p:sp>
-        <p:sp>
-          <p:nvSpPr>
-            <p:cNvPr id="46" name="Connection Line">
-              <a:extLst>
-                <a:ext uri="{FF2B5EF4-FFF2-40B4-BE49-F238E27FC236}">
-                  <a16:creationId xmlns:a16="http://schemas.microsoft.com/office/drawing/2014/main" id="{46A8503B-A3E3-204D-8A69-3F225CB8CABF}"/>
-                </a:ext>
-              </a:extLst>
-            </p:cNvPr>
-            <p:cNvSpPr/>
-            <p:nvPr/>
-          </p:nvSpPr>
-          <p:spPr>
-            <a:xfrm>
-              <a:off x="4551489" y="1931915"/>
-              <a:ext cx="456771" cy="497038"/>
-            </a:xfrm>
-            <a:custGeom>
-              <a:avLst/>
-              <a:gdLst/>
-              <a:ahLst/>
-              <a:cxnLst>
-                <a:cxn ang="0">
-                  <a:pos x="wd2" y="hd2"/>
-                </a:cxn>
-                <a:cxn ang="5400000">
-                  <a:pos x="wd2" y="hd2"/>
-                </a:cxn>
-                <a:cxn ang="10800000">
-                  <a:pos x="wd2" y="hd2"/>
-                </a:cxn>
-                <a:cxn ang="16200000">
-                  <a:pos x="wd2" y="hd2"/>
-                </a:cxn>
-              </a:cxnLst>
-              <a:rect l="0" t="0" r="r" b="b"/>
-              <a:pathLst>
-                <a:path w="21600" h="21600" extrusionOk="0">
-                  <a:moveTo>
-                    <a:pt x="0" y="0"/>
-                  </a:moveTo>
-                  <a:cubicBezTo>
-                    <a:pt x="10540" y="4586"/>
-                    <a:pt x="17740" y="11786"/>
-                    <a:pt x="21600" y="21600"/>
-                  </a:cubicBezTo>
-                </a:path>
-              </a:pathLst>
-            </a:custGeom>
-            <a:ln w="76200">
-              <a:solidFill>
-                <a:srgbClr val="000000"/>
-              </a:solidFill>
-              <a:miter lim="400000"/>
-            </a:ln>
-          </p:spPr>
-          <p:txBody>
-            <a:bodyPr/>
-            <a:lstStyle/>
-            <a:p>
-              <a:endParaRPr sz="1261"/>
-            </a:p>
-          </p:txBody>
-        </p:sp>
-        <p:sp>
-          <p:nvSpPr>
-            <p:cNvPr id="47" name="Connection Line">
-              <a:extLst>
-                <a:ext uri="{FF2B5EF4-FFF2-40B4-BE49-F238E27FC236}">
-                  <a16:creationId xmlns:a16="http://schemas.microsoft.com/office/drawing/2014/main" id="{EA5B400C-D822-9C4A-84BF-C04B774E1918}"/>
-                </a:ext>
-              </a:extLst>
-            </p:cNvPr>
-            <p:cNvSpPr/>
-            <p:nvPr/>
-          </p:nvSpPr>
-          <p:spPr>
-            <a:xfrm>
-              <a:off x="2801150" y="2233549"/>
-              <a:ext cx="781238" cy="64976"/>
-            </a:xfrm>
-            <a:custGeom>
-              <a:avLst/>
-              <a:gdLst/>
-              <a:ahLst/>
-              <a:cxnLst>
-                <a:cxn ang="0">
-                  <a:pos x="wd2" y="hd2"/>
-                </a:cxn>
-                <a:cxn ang="5400000">
-                  <a:pos x="wd2" y="hd2"/>
-                </a:cxn>
-                <a:cxn ang="10800000">
-                  <a:pos x="wd2" y="hd2"/>
-                </a:cxn>
-                <a:cxn ang="16200000">
-                  <a:pos x="wd2" y="hd2"/>
-                </a:cxn>
-              </a:cxnLst>
-              <a:rect l="0" t="0" r="r" b="b"/>
-              <a:pathLst>
-                <a:path w="21600" h="17431" extrusionOk="0">
-                  <a:moveTo>
-                    <a:pt x="0" y="17431"/>
-                  </a:moveTo>
-                  <a:cubicBezTo>
-                    <a:pt x="6866" y="366"/>
-                    <a:pt x="14066" y="-4169"/>
-                    <a:pt x="21600" y="3825"/>
-                  </a:cubicBezTo>
-                </a:path>
-              </a:pathLst>
-            </a:custGeom>
-            <a:ln w="76200">
-              <a:solidFill>
-                <a:srgbClr val="000000"/>
-              </a:solidFill>
-              <a:miter lim="400000"/>
-            </a:ln>
-          </p:spPr>
-          <p:txBody>
-            <a:bodyPr/>
-            <a:lstStyle/>
-            <a:p>
-              <a:endParaRPr sz="1261"/>
-            </a:p>
-          </p:txBody>
-        </p:sp>
-        <p:sp>
-          <p:nvSpPr>
-            <p:cNvPr id="48" name="Connection Line">
-              <a:extLst>
-                <a:ext uri="{FF2B5EF4-FFF2-40B4-BE49-F238E27FC236}">
-                  <a16:creationId xmlns:a16="http://schemas.microsoft.com/office/drawing/2014/main" id="{1162CB06-4815-4D40-9A62-C73E4770EE98}"/>
-                </a:ext>
-              </a:extLst>
-            </p:cNvPr>
-            <p:cNvSpPr/>
-            <p:nvPr/>
-          </p:nvSpPr>
-          <p:spPr>
-            <a:xfrm>
-              <a:off x="3305405" y="2295858"/>
-              <a:ext cx="450997" cy="264576"/>
-            </a:xfrm>
-            <a:custGeom>
-              <a:avLst/>
-              <a:gdLst/>
-              <a:ahLst/>
-              <a:cxnLst>
-                <a:cxn ang="0">
-                  <a:pos x="wd2" y="hd2"/>
-                </a:cxn>
-                <a:cxn ang="5400000">
-                  <a:pos x="wd2" y="hd2"/>
-                </a:cxn>
-                <a:cxn ang="10800000">
-                  <a:pos x="wd2" y="hd2"/>
-                </a:cxn>
-                <a:cxn ang="16200000">
-                  <a:pos x="wd2" y="hd2"/>
-                </a:cxn>
-              </a:cxnLst>
-              <a:rect l="0" t="0" r="r" b="b"/>
-              <a:pathLst>
-                <a:path w="21600" h="21600" extrusionOk="0">
-                  <a:moveTo>
-                    <a:pt x="0" y="21600"/>
-                  </a:moveTo>
-                  <a:cubicBezTo>
-                    <a:pt x="6195" y="11954"/>
-                    <a:pt x="13395" y="4754"/>
-                    <a:pt x="21600" y="0"/>
-                  </a:cubicBezTo>
-                </a:path>
-              </a:pathLst>
-            </a:custGeom>
-            <a:ln w="76200">
-              <a:solidFill>
-                <a:srgbClr val="1583C0">
-                  <a:alpha val="92157"/>
-                </a:srgbClr>
-              </a:solidFill>
-              <a:miter lim="400000"/>
-            </a:ln>
-          </p:spPr>
-          <p:txBody>
-            <a:bodyPr/>
-            <a:lstStyle/>
-            <a:p>
-              <a:endParaRPr sz="1261"/>
-            </a:p>
-          </p:txBody>
-        </p:sp>
-        <p:sp>
-          <p:nvSpPr>
-            <p:cNvPr id="49" name="Connection Line">
-              <a:extLst>
-                <a:ext uri="{FF2B5EF4-FFF2-40B4-BE49-F238E27FC236}">
-                  <a16:creationId xmlns:a16="http://schemas.microsoft.com/office/drawing/2014/main" id="{B77100CA-B675-594A-9654-A72397593229}"/>
-                </a:ext>
-              </a:extLst>
-            </p:cNvPr>
-            <p:cNvSpPr/>
-            <p:nvPr/>
-          </p:nvSpPr>
-          <p:spPr>
-            <a:xfrm>
-              <a:off x="3277381" y="2560490"/>
-              <a:ext cx="1046139" cy="107543"/>
-            </a:xfrm>
-            <a:custGeom>
-              <a:avLst/>
-              <a:gdLst/>
-              <a:ahLst/>
-              <a:cxnLst>
-                <a:cxn ang="0">
-                  <a:pos x="wd2" y="hd2"/>
-                </a:cxn>
-                <a:cxn ang="5400000">
-                  <a:pos x="wd2" y="hd2"/>
-                </a:cxn>
-                <a:cxn ang="10800000">
-                  <a:pos x="wd2" y="hd2"/>
-                </a:cxn>
-                <a:cxn ang="16200000">
-                  <a:pos x="wd2" y="hd2"/>
-                </a:cxn>
-              </a:cxnLst>
-              <a:rect l="0" t="0" r="r" b="b"/>
-              <a:pathLst>
-                <a:path w="21600" h="21600" extrusionOk="0">
-                  <a:moveTo>
-                    <a:pt x="0" y="0"/>
-                  </a:moveTo>
-                  <a:lnTo>
-                    <a:pt x="21600" y="21600"/>
-                  </a:lnTo>
-                </a:path>
-              </a:pathLst>
-            </a:custGeom>
-            <a:ln w="76200">
-              <a:solidFill>
-                <a:srgbClr val="1583C0">
-                  <a:alpha val="92157"/>
-                </a:srgbClr>
-              </a:solidFill>
-              <a:miter lim="400000"/>
-            </a:ln>
-          </p:spPr>
-          <p:txBody>
-            <a:bodyPr/>
-            <a:lstStyle/>
-            <a:p>
-              <a:endParaRPr sz="1261"/>
-            </a:p>
-          </p:txBody>
-        </p:sp>
-        <p:sp>
-          <p:nvSpPr>
-            <p:cNvPr id="50" name="Connection Line">
-              <a:extLst>
-                <a:ext uri="{FF2B5EF4-FFF2-40B4-BE49-F238E27FC236}">
-                  <a16:creationId xmlns:a16="http://schemas.microsoft.com/office/drawing/2014/main" id="{55B27584-A626-5B43-9EFB-128394BDF6EE}"/>
-                </a:ext>
-              </a:extLst>
-            </p:cNvPr>
-            <p:cNvSpPr/>
-            <p:nvPr/>
-          </p:nvSpPr>
-          <p:spPr>
-            <a:xfrm>
-              <a:off x="4490234" y="1810563"/>
-              <a:ext cx="1094609" cy="464969"/>
-            </a:xfrm>
-            <a:custGeom>
-              <a:avLst/>
-              <a:gdLst/>
-              <a:ahLst/>
-              <a:cxnLst>
-                <a:cxn ang="0">
-                  <a:pos x="wd2" y="hd2"/>
-                </a:cxn>
-                <a:cxn ang="5400000">
-                  <a:pos x="wd2" y="hd2"/>
-                </a:cxn>
-                <a:cxn ang="10800000">
-                  <a:pos x="wd2" y="hd2"/>
-                </a:cxn>
-                <a:cxn ang="16200000">
-                  <a:pos x="wd2" y="hd2"/>
-                </a:cxn>
-              </a:cxnLst>
-              <a:rect l="0" t="0" r="r" b="b"/>
-              <a:pathLst>
-                <a:path w="21600" h="16893" extrusionOk="0">
-                  <a:moveTo>
-                    <a:pt x="0" y="16893"/>
-                  </a:moveTo>
-                  <a:cubicBezTo>
-                    <a:pt x="2852" y="-1069"/>
-                    <a:pt x="10052" y="-4707"/>
-                    <a:pt x="21600" y="5979"/>
-                  </a:cubicBezTo>
-                </a:path>
-              </a:pathLst>
-            </a:custGeom>
-            <a:ln w="76200">
-              <a:solidFill>
-                <a:srgbClr val="1583C0">
-                  <a:alpha val="92157"/>
-                </a:srgbClr>
-              </a:solidFill>
-              <a:miter lim="400000"/>
-            </a:ln>
-          </p:spPr>
-          <p:txBody>
-            <a:bodyPr/>
-            <a:lstStyle/>
-            <a:p>
-              <a:endParaRPr sz="1261"/>
-            </a:p>
-          </p:txBody>
-        </p:sp>
-        <p:sp>
-          <p:nvSpPr>
-            <p:cNvPr id="51" name="Connection Line">
-              <a:extLst>
-                <a:ext uri="{FF2B5EF4-FFF2-40B4-BE49-F238E27FC236}">
-                  <a16:creationId xmlns:a16="http://schemas.microsoft.com/office/drawing/2014/main" id="{C74FFCC5-2C41-A94D-B4BD-0E972CFF29B3}"/>
-                </a:ext>
-              </a:extLst>
-            </p:cNvPr>
-            <p:cNvSpPr/>
-            <p:nvPr/>
-          </p:nvSpPr>
-          <p:spPr>
-            <a:xfrm>
-              <a:off x="4294920" y="2656578"/>
-              <a:ext cx="415566" cy="929179"/>
-            </a:xfrm>
-            <a:custGeom>
-              <a:avLst/>
-              <a:gdLst/>
-              <a:ahLst/>
-              <a:cxnLst>
-                <a:cxn ang="0">
-                  <a:pos x="wd2" y="hd2"/>
-                </a:cxn>
-                <a:cxn ang="5400000">
-                  <a:pos x="wd2" y="hd2"/>
-                </a:cxn>
-                <a:cxn ang="10800000">
-                  <a:pos x="wd2" y="hd2"/>
-                </a:cxn>
-                <a:cxn ang="16200000">
-                  <a:pos x="wd2" y="hd2"/>
-                </a:cxn>
-              </a:cxnLst>
-              <a:rect l="0" t="0" r="r" b="b"/>
-              <a:pathLst>
-                <a:path w="20565" h="21600" extrusionOk="0">
-                  <a:moveTo>
-                    <a:pt x="0" y="0"/>
-                  </a:moveTo>
-                  <a:cubicBezTo>
-                    <a:pt x="14787" y="7590"/>
-                    <a:pt x="21600" y="14790"/>
-                    <a:pt x="20438" y="21600"/>
-                  </a:cubicBezTo>
-                </a:path>
-              </a:pathLst>
-            </a:custGeom>
-            <a:ln w="76200">
-              <a:solidFill>
-                <a:srgbClr val="1583C0">
-                  <a:alpha val="92157"/>
-                </a:srgbClr>
-              </a:solidFill>
-              <a:miter lim="400000"/>
-            </a:ln>
-          </p:spPr>
-          <p:txBody>
-            <a:bodyPr/>
-            <a:lstStyle/>
-            <a:p>
-              <a:endParaRPr sz="1261"/>
-            </a:p>
-          </p:txBody>
-        </p:sp>
-        <p:sp>
-          <p:nvSpPr>
-            <p:cNvPr id="52" name="Connection Line">
-              <a:extLst>
-                <a:ext uri="{FF2B5EF4-FFF2-40B4-BE49-F238E27FC236}">
-                  <a16:creationId xmlns:a16="http://schemas.microsoft.com/office/drawing/2014/main" id="{9F83A7E0-9839-5642-A5A4-CD39C37575C2}"/>
-                </a:ext>
-              </a:extLst>
-            </p:cNvPr>
-            <p:cNvSpPr/>
-            <p:nvPr/>
-          </p:nvSpPr>
-          <p:spPr>
-            <a:xfrm>
-              <a:off x="5491289" y="1931407"/>
-              <a:ext cx="456771" cy="497038"/>
-            </a:xfrm>
-            <a:custGeom>
-              <a:avLst/>
-              <a:gdLst/>
-              <a:ahLst/>
-              <a:cxnLst>
-                <a:cxn ang="0">
-                  <a:pos x="wd2" y="hd2"/>
-                </a:cxn>
-                <a:cxn ang="5400000">
-                  <a:pos x="wd2" y="hd2"/>
-                </a:cxn>
-                <a:cxn ang="10800000">
-                  <a:pos x="wd2" y="hd2"/>
-                </a:cxn>
-                <a:cxn ang="16200000">
-                  <a:pos x="wd2" y="hd2"/>
-                </a:cxn>
-              </a:cxnLst>
-              <a:rect l="0" t="0" r="r" b="b"/>
-              <a:pathLst>
-                <a:path w="21600" h="21600" extrusionOk="0">
-                  <a:moveTo>
-                    <a:pt x="0" y="0"/>
-                  </a:moveTo>
-                  <a:cubicBezTo>
-                    <a:pt x="10540" y="4586"/>
-                    <a:pt x="17740" y="11786"/>
-                    <a:pt x="21600" y="21600"/>
-                  </a:cubicBezTo>
-                </a:path>
-              </a:pathLst>
-            </a:custGeom>
-            <a:ln w="76200">
-              <a:solidFill>
-                <a:srgbClr val="1583C0">
-                  <a:alpha val="92157"/>
-                </a:srgbClr>
-              </a:solidFill>
-              <a:miter lim="400000"/>
-            </a:ln>
-          </p:spPr>
-          <p:txBody>
-            <a:bodyPr/>
-            <a:lstStyle/>
-            <a:p>
-              <a:endParaRPr sz="1261"/>
-            </a:p>
-          </p:txBody>
-        </p:sp>
-        <p:sp>
-          <p:nvSpPr>
-            <p:cNvPr id="53" name="Connection Line">
-              <a:extLst>
-                <a:ext uri="{FF2B5EF4-FFF2-40B4-BE49-F238E27FC236}">
-                  <a16:creationId xmlns:a16="http://schemas.microsoft.com/office/drawing/2014/main" id="{EBDAC5D8-D7B3-3146-BB47-C2ADADAAA58E}"/>
-                </a:ext>
-              </a:extLst>
-            </p:cNvPr>
-            <p:cNvSpPr/>
-            <p:nvPr/>
-          </p:nvSpPr>
-          <p:spPr>
-            <a:xfrm>
-              <a:off x="3740950" y="2233042"/>
-              <a:ext cx="781238" cy="64976"/>
-            </a:xfrm>
-            <a:custGeom>
-              <a:avLst/>
-              <a:gdLst/>
-              <a:ahLst/>
-              <a:cxnLst>
-                <a:cxn ang="0">
-                  <a:pos x="wd2" y="hd2"/>
-                </a:cxn>
-                <a:cxn ang="5400000">
-                  <a:pos x="wd2" y="hd2"/>
-                </a:cxn>
-                <a:cxn ang="10800000">
-                  <a:pos x="wd2" y="hd2"/>
-                </a:cxn>
-                <a:cxn ang="16200000">
-                  <a:pos x="wd2" y="hd2"/>
-                </a:cxn>
-              </a:cxnLst>
-              <a:rect l="0" t="0" r="r" b="b"/>
-              <a:pathLst>
-                <a:path w="21600" h="17431" extrusionOk="0">
-                  <a:moveTo>
-                    <a:pt x="0" y="17431"/>
-                  </a:moveTo>
-                  <a:cubicBezTo>
-                    <a:pt x="6866" y="366"/>
-                    <a:pt x="14066" y="-4169"/>
-                    <a:pt x="21600" y="3825"/>
-                  </a:cubicBezTo>
-                </a:path>
-              </a:pathLst>
-            </a:custGeom>
-            <a:ln w="76200">
-              <a:solidFill>
-                <a:srgbClr val="1583C0">
-                  <a:alpha val="92157"/>
-                </a:srgbClr>
-              </a:solidFill>
-              <a:miter lim="400000"/>
-            </a:ln>
-          </p:spPr>
-          <p:txBody>
-            <a:bodyPr/>
-            <a:lstStyle/>
-            <a:p>
-              <a:endParaRPr sz="1261"/>
-            </a:p>
-          </p:txBody>
-        </p:sp>
-        <p:sp>
-          <p:nvSpPr>
-            <p:cNvPr id="54" name="Connection Line">
-              <a:extLst>
-                <a:ext uri="{FF2B5EF4-FFF2-40B4-BE49-F238E27FC236}">
-                  <a16:creationId xmlns:a16="http://schemas.microsoft.com/office/drawing/2014/main" id="{5FFB3182-4865-514A-AD7D-1314B40AB949}"/>
-                </a:ext>
-              </a:extLst>
-            </p:cNvPr>
-            <p:cNvSpPr/>
-            <p:nvPr/>
-          </p:nvSpPr>
-          <p:spPr>
-            <a:xfrm>
-              <a:off x="4245205" y="2295858"/>
-              <a:ext cx="450997" cy="264576"/>
-            </a:xfrm>
-            <a:custGeom>
-              <a:avLst/>
-              <a:gdLst/>
-              <a:ahLst/>
-              <a:cxnLst>
-                <a:cxn ang="0">
-                  <a:pos x="wd2" y="hd2"/>
-                </a:cxn>
-                <a:cxn ang="5400000">
-                  <a:pos x="wd2" y="hd2"/>
-                </a:cxn>
-                <a:cxn ang="10800000">
-                  <a:pos x="wd2" y="hd2"/>
-                </a:cxn>
-                <a:cxn ang="16200000">
-                  <a:pos x="wd2" y="hd2"/>
-                </a:cxn>
-              </a:cxnLst>
-              <a:rect l="0" t="0" r="r" b="b"/>
-              <a:pathLst>
-                <a:path w="21600" h="21600" extrusionOk="0">
-                  <a:moveTo>
-                    <a:pt x="0" y="21600"/>
-                  </a:moveTo>
-                  <a:cubicBezTo>
-                    <a:pt x="6195" y="11954"/>
-                    <a:pt x="13395" y="4754"/>
-                    <a:pt x="21600" y="0"/>
-                  </a:cubicBezTo>
-                </a:path>
-              </a:pathLst>
-            </a:custGeom>
-            <a:ln w="76200">
-              <a:solidFill>
-                <a:srgbClr val="15CD98">
-                  <a:alpha val="91765"/>
-                </a:srgbClr>
-              </a:solidFill>
-              <a:miter lim="400000"/>
-            </a:ln>
-          </p:spPr>
-          <p:txBody>
-            <a:bodyPr/>
-            <a:lstStyle/>
-            <a:p>
-              <a:endParaRPr sz="1261"/>
-            </a:p>
-          </p:txBody>
-        </p:sp>
-        <p:sp>
-          <p:nvSpPr>
-            <p:cNvPr id="55" name="Connection Line">
-              <a:extLst>
-                <a:ext uri="{FF2B5EF4-FFF2-40B4-BE49-F238E27FC236}">
-                  <a16:creationId xmlns:a16="http://schemas.microsoft.com/office/drawing/2014/main" id="{9186DACF-B486-AE43-BE06-EB903E807E07}"/>
-                </a:ext>
-              </a:extLst>
-            </p:cNvPr>
-            <p:cNvSpPr/>
-            <p:nvPr/>
-          </p:nvSpPr>
-          <p:spPr>
-            <a:xfrm>
-              <a:off x="4217181" y="2560490"/>
-              <a:ext cx="1046139" cy="107543"/>
-            </a:xfrm>
-            <a:custGeom>
-              <a:avLst/>
-              <a:gdLst/>
-              <a:ahLst/>
-              <a:cxnLst>
-                <a:cxn ang="0">
-                  <a:pos x="wd2" y="hd2"/>
-                </a:cxn>
-                <a:cxn ang="5400000">
-                  <a:pos x="wd2" y="hd2"/>
-                </a:cxn>
-                <a:cxn ang="10800000">
-                  <a:pos x="wd2" y="hd2"/>
-                </a:cxn>
-                <a:cxn ang="16200000">
-                  <a:pos x="wd2" y="hd2"/>
-                </a:cxn>
-              </a:cxnLst>
-              <a:rect l="0" t="0" r="r" b="b"/>
-              <a:pathLst>
-                <a:path w="21600" h="21600" extrusionOk="0">
-                  <a:moveTo>
-                    <a:pt x="0" y="0"/>
-                  </a:moveTo>
-                  <a:lnTo>
-                    <a:pt x="21600" y="21600"/>
-                  </a:lnTo>
-                </a:path>
-              </a:pathLst>
-            </a:custGeom>
-            <a:ln w="76200">
-              <a:solidFill>
-                <a:srgbClr val="15CD98">
-                  <a:alpha val="91765"/>
-                </a:srgbClr>
-              </a:solidFill>
-              <a:miter lim="400000"/>
-            </a:ln>
-          </p:spPr>
-          <p:txBody>
-            <a:bodyPr/>
-            <a:lstStyle/>
-            <a:p>
-              <a:endParaRPr sz="1261"/>
-            </a:p>
-          </p:txBody>
-        </p:sp>
-        <p:sp>
-          <p:nvSpPr>
-            <p:cNvPr id="56" name="Connection Line">
-              <a:extLst>
-                <a:ext uri="{FF2B5EF4-FFF2-40B4-BE49-F238E27FC236}">
-                  <a16:creationId xmlns:a16="http://schemas.microsoft.com/office/drawing/2014/main" id="{2C604373-A8A6-AA40-9BF7-13D297BFA901}"/>
-                </a:ext>
-              </a:extLst>
-            </p:cNvPr>
-            <p:cNvSpPr/>
-            <p:nvPr/>
-          </p:nvSpPr>
-          <p:spPr>
-            <a:xfrm>
-              <a:off x="5430035" y="1810563"/>
-              <a:ext cx="1094609" cy="464969"/>
-            </a:xfrm>
-            <a:custGeom>
-              <a:avLst/>
-              <a:gdLst/>
-              <a:ahLst/>
-              <a:cxnLst>
-                <a:cxn ang="0">
-                  <a:pos x="wd2" y="hd2"/>
-                </a:cxn>
-                <a:cxn ang="5400000">
-                  <a:pos x="wd2" y="hd2"/>
-                </a:cxn>
-                <a:cxn ang="10800000">
-                  <a:pos x="wd2" y="hd2"/>
-                </a:cxn>
-                <a:cxn ang="16200000">
-                  <a:pos x="wd2" y="hd2"/>
-                </a:cxn>
-              </a:cxnLst>
-              <a:rect l="0" t="0" r="r" b="b"/>
-              <a:pathLst>
-                <a:path w="21600" h="16893" extrusionOk="0">
-                  <a:moveTo>
-                    <a:pt x="0" y="16893"/>
-                  </a:moveTo>
-                  <a:cubicBezTo>
-                    <a:pt x="2852" y="-1069"/>
-                    <a:pt x="10052" y="-4707"/>
-                    <a:pt x="21600" y="5979"/>
-                  </a:cubicBezTo>
-                </a:path>
-              </a:pathLst>
-            </a:custGeom>
-            <a:ln w="76200">
-              <a:solidFill>
-                <a:srgbClr val="15CD98">
-                  <a:alpha val="91765"/>
-                </a:srgbClr>
-              </a:solidFill>
-              <a:miter lim="400000"/>
-            </a:ln>
-          </p:spPr>
-          <p:txBody>
-            <a:bodyPr/>
-            <a:lstStyle/>
-            <a:p>
-              <a:endParaRPr sz="1261"/>
-            </a:p>
-          </p:txBody>
-        </p:sp>
-        <p:sp>
-          <p:nvSpPr>
-            <p:cNvPr id="57" name="Connection Line">
-              <a:extLst>
-                <a:ext uri="{FF2B5EF4-FFF2-40B4-BE49-F238E27FC236}">
-                  <a16:creationId xmlns:a16="http://schemas.microsoft.com/office/drawing/2014/main" id="{D46607FE-8B33-6C42-ACC3-98E60D077A3C}"/>
-                </a:ext>
-              </a:extLst>
-            </p:cNvPr>
-            <p:cNvSpPr/>
-            <p:nvPr/>
-          </p:nvSpPr>
-          <p:spPr>
-            <a:xfrm>
-              <a:off x="5234723" y="2656578"/>
-              <a:ext cx="415566" cy="929179"/>
-            </a:xfrm>
-            <a:custGeom>
-              <a:avLst/>
-              <a:gdLst/>
-              <a:ahLst/>
-              <a:cxnLst>
-                <a:cxn ang="0">
-                  <a:pos x="wd2" y="hd2"/>
-                </a:cxn>
-                <a:cxn ang="5400000">
-                  <a:pos x="wd2" y="hd2"/>
-                </a:cxn>
-                <a:cxn ang="10800000">
-                  <a:pos x="wd2" y="hd2"/>
-                </a:cxn>
-                <a:cxn ang="16200000">
-                  <a:pos x="wd2" y="hd2"/>
-                </a:cxn>
-              </a:cxnLst>
-              <a:rect l="0" t="0" r="r" b="b"/>
-              <a:pathLst>
-                <a:path w="20565" h="21600" extrusionOk="0">
-                  <a:moveTo>
-                    <a:pt x="0" y="0"/>
-                  </a:moveTo>
-                  <a:cubicBezTo>
-                    <a:pt x="14787" y="7590"/>
-                    <a:pt x="21600" y="14790"/>
-                    <a:pt x="20438" y="21600"/>
-                  </a:cubicBezTo>
-                </a:path>
-              </a:pathLst>
-            </a:custGeom>
-            <a:ln w="76200">
-              <a:solidFill>
-                <a:srgbClr val="15CD98">
-                  <a:alpha val="91765"/>
-                </a:srgbClr>
-              </a:solidFill>
-              <a:miter lim="400000"/>
-            </a:ln>
-          </p:spPr>
-          <p:txBody>
-            <a:bodyPr/>
-            <a:lstStyle/>
-            <a:p>
-              <a:endParaRPr sz="1261"/>
-            </a:p>
-          </p:txBody>
-        </p:sp>
-        <p:sp>
-          <p:nvSpPr>
-            <p:cNvPr id="58" name="Connection Line">
-              <a:extLst>
-                <a:ext uri="{FF2B5EF4-FFF2-40B4-BE49-F238E27FC236}">
-                  <a16:creationId xmlns:a16="http://schemas.microsoft.com/office/drawing/2014/main" id="{792FB01B-B5B7-BD4F-AF44-4C8421D8C472}"/>
-                </a:ext>
-              </a:extLst>
-            </p:cNvPr>
-            <p:cNvSpPr/>
-            <p:nvPr/>
-          </p:nvSpPr>
-          <p:spPr>
-            <a:xfrm>
-              <a:off x="6431089" y="1931407"/>
-              <a:ext cx="456771" cy="497038"/>
-            </a:xfrm>
-            <a:custGeom>
-              <a:avLst/>
-              <a:gdLst/>
-              <a:ahLst/>
-              <a:cxnLst>
-                <a:cxn ang="0">
-                  <a:pos x="wd2" y="hd2"/>
-                </a:cxn>
-                <a:cxn ang="5400000">
-                  <a:pos x="wd2" y="hd2"/>
-                </a:cxn>
-                <a:cxn ang="10800000">
-                  <a:pos x="wd2" y="hd2"/>
-                </a:cxn>
-                <a:cxn ang="16200000">
-                  <a:pos x="wd2" y="hd2"/>
-                </a:cxn>
-              </a:cxnLst>
-              <a:rect l="0" t="0" r="r" b="b"/>
-              <a:pathLst>
-                <a:path w="21600" h="21600" extrusionOk="0">
-                  <a:moveTo>
-                    <a:pt x="0" y="0"/>
-                  </a:moveTo>
-                  <a:cubicBezTo>
-                    <a:pt x="10540" y="4586"/>
-                    <a:pt x="17740" y="11786"/>
-                    <a:pt x="21600" y="21600"/>
-                  </a:cubicBezTo>
-                </a:path>
-              </a:pathLst>
-            </a:custGeom>
-            <a:ln w="76200">
-              <a:solidFill>
-                <a:srgbClr val="15CD98">
-                  <a:alpha val="91765"/>
-                </a:srgbClr>
-              </a:solidFill>
-              <a:miter lim="400000"/>
-            </a:ln>
-          </p:spPr>
-          <p:txBody>
-            <a:bodyPr/>
-            <a:lstStyle/>
-            <a:p>
-              <a:endParaRPr sz="1261"/>
-            </a:p>
-          </p:txBody>
-        </p:sp>
-        <p:sp>
-          <p:nvSpPr>
-            <p:cNvPr id="59" name="Connection Line">
-              <a:extLst>
-                <a:ext uri="{FF2B5EF4-FFF2-40B4-BE49-F238E27FC236}">
-                  <a16:creationId xmlns:a16="http://schemas.microsoft.com/office/drawing/2014/main" id="{1000B1F8-32B5-C041-B76C-C899FEEBDCB9}"/>
-                </a:ext>
-              </a:extLst>
-            </p:cNvPr>
-            <p:cNvSpPr/>
-            <p:nvPr/>
-          </p:nvSpPr>
-          <p:spPr>
-            <a:xfrm>
-              <a:off x="4680752" y="2233042"/>
-              <a:ext cx="781238" cy="64976"/>
-            </a:xfrm>
-            <a:custGeom>
-              <a:avLst/>
-              <a:gdLst/>
-              <a:ahLst/>
-              <a:cxnLst>
-                <a:cxn ang="0">
-                  <a:pos x="wd2" y="hd2"/>
-                </a:cxn>
-                <a:cxn ang="5400000">
-                  <a:pos x="wd2" y="hd2"/>
-                </a:cxn>
-                <a:cxn ang="10800000">
-                  <a:pos x="wd2" y="hd2"/>
-                </a:cxn>
-                <a:cxn ang="16200000">
-                  <a:pos x="wd2" y="hd2"/>
-                </a:cxn>
-              </a:cxnLst>
-              <a:rect l="0" t="0" r="r" b="b"/>
-              <a:pathLst>
-                <a:path w="21600" h="17431" extrusionOk="0">
-                  <a:moveTo>
-                    <a:pt x="0" y="17431"/>
-                  </a:moveTo>
-                  <a:cubicBezTo>
-                    <a:pt x="6866" y="366"/>
-                    <a:pt x="14066" y="-4169"/>
-                    <a:pt x="21600" y="3825"/>
-                  </a:cubicBezTo>
-                </a:path>
-              </a:pathLst>
-            </a:custGeom>
-            <a:ln w="76200">
-              <a:solidFill>
-                <a:srgbClr val="15CD98">
-                  <a:alpha val="91765"/>
-                </a:srgbClr>
-              </a:solidFill>
-              <a:miter lim="400000"/>
-            </a:ln>
-          </p:spPr>
-          <p:txBody>
-            <a:bodyPr/>
-            <a:lstStyle/>
-            <a:p>
-              <a:endParaRPr sz="1261"/>
-            </a:p>
-          </p:txBody>
-        </p:sp>
-        <p:sp>
-          <p:nvSpPr>
-            <p:cNvPr id="60" name="Connection Line">
-              <a:extLst>
-                <a:ext uri="{FF2B5EF4-FFF2-40B4-BE49-F238E27FC236}">
-                  <a16:creationId xmlns:a16="http://schemas.microsoft.com/office/drawing/2014/main" id="{219472EE-B326-B44A-8912-13414F5D564F}"/>
-                </a:ext>
-              </a:extLst>
-            </p:cNvPr>
-            <p:cNvSpPr/>
-            <p:nvPr/>
-          </p:nvSpPr>
-          <p:spPr>
-            <a:xfrm>
-              <a:off x="5189677" y="2295858"/>
-              <a:ext cx="450997" cy="264576"/>
-            </a:xfrm>
-            <a:custGeom>
-              <a:avLst/>
-              <a:gdLst/>
-              <a:ahLst/>
-              <a:cxnLst>
-                <a:cxn ang="0">
-                  <a:pos x="wd2" y="hd2"/>
-                </a:cxn>
-                <a:cxn ang="5400000">
-                  <a:pos x="wd2" y="hd2"/>
-                </a:cxn>
-                <a:cxn ang="10800000">
-                  <a:pos x="wd2" y="hd2"/>
-                </a:cxn>
-                <a:cxn ang="16200000">
-                  <a:pos x="wd2" y="hd2"/>
-                </a:cxn>
-              </a:cxnLst>
-              <a:rect l="0" t="0" r="r" b="b"/>
-              <a:pathLst>
-                <a:path w="21600" h="21600" extrusionOk="0">
-                  <a:moveTo>
-                    <a:pt x="0" y="21600"/>
-                  </a:moveTo>
-                  <a:cubicBezTo>
-                    <a:pt x="6195" y="11954"/>
-                    <a:pt x="13395" y="4754"/>
-                    <a:pt x="21600" y="0"/>
-                  </a:cubicBezTo>
-                </a:path>
-              </a:pathLst>
-            </a:custGeom>
-            <a:ln w="76200">
-              <a:solidFill>
-                <a:srgbClr val="8DDE00">
-                  <a:alpha val="91765"/>
-                </a:srgbClr>
-              </a:solidFill>
-              <a:miter lim="400000"/>
-            </a:ln>
-          </p:spPr>
-          <p:txBody>
-            <a:bodyPr/>
-            <a:lstStyle/>
-            <a:p>
-              <a:endParaRPr sz="1261"/>
-            </a:p>
-          </p:txBody>
-        </p:sp>
-        <p:sp>
-          <p:nvSpPr>
-            <p:cNvPr id="61" name="Connection Line">
-              <a:extLst>
-                <a:ext uri="{FF2B5EF4-FFF2-40B4-BE49-F238E27FC236}">
-                  <a16:creationId xmlns:a16="http://schemas.microsoft.com/office/drawing/2014/main" id="{20BB533E-87E8-9843-9D78-60D0835F9D9E}"/>
-                </a:ext>
-              </a:extLst>
-            </p:cNvPr>
-            <p:cNvSpPr/>
-            <p:nvPr/>
-          </p:nvSpPr>
-          <p:spPr>
-            <a:xfrm>
-              <a:off x="5161652" y="2560490"/>
-              <a:ext cx="1046139" cy="107543"/>
-            </a:xfrm>
-            <a:custGeom>
-              <a:avLst/>
-              <a:gdLst/>
-              <a:ahLst/>
-              <a:cxnLst>
-                <a:cxn ang="0">
-                  <a:pos x="wd2" y="hd2"/>
-                </a:cxn>
-                <a:cxn ang="5400000">
-                  <a:pos x="wd2" y="hd2"/>
-                </a:cxn>
-                <a:cxn ang="10800000">
-                  <a:pos x="wd2" y="hd2"/>
-                </a:cxn>
-                <a:cxn ang="16200000">
-                  <a:pos x="wd2" y="hd2"/>
-                </a:cxn>
-              </a:cxnLst>
-              <a:rect l="0" t="0" r="r" b="b"/>
-              <a:pathLst>
-                <a:path w="21600" h="21600" extrusionOk="0">
-                  <a:moveTo>
-                    <a:pt x="0" y="0"/>
-                  </a:moveTo>
-                  <a:lnTo>
-                    <a:pt x="21600" y="21600"/>
-                  </a:lnTo>
-                </a:path>
-              </a:pathLst>
-            </a:custGeom>
-            <a:ln w="76200">
-              <a:solidFill>
-                <a:srgbClr val="8DDE00">
-                  <a:alpha val="91765"/>
-                </a:srgbClr>
-              </a:solidFill>
-              <a:miter lim="400000"/>
-            </a:ln>
-          </p:spPr>
-          <p:txBody>
-            <a:bodyPr/>
-            <a:lstStyle/>
-            <a:p>
-              <a:endParaRPr sz="1261"/>
-            </a:p>
-          </p:txBody>
-        </p:sp>
-        <p:sp>
-          <p:nvSpPr>
-            <p:cNvPr id="62" name="Connection Line">
-              <a:extLst>
-                <a:ext uri="{FF2B5EF4-FFF2-40B4-BE49-F238E27FC236}">
-                  <a16:creationId xmlns:a16="http://schemas.microsoft.com/office/drawing/2014/main" id="{BED8223D-747D-8A43-B7CF-69C08D8CC834}"/>
-                </a:ext>
-              </a:extLst>
-            </p:cNvPr>
-            <p:cNvSpPr/>
-            <p:nvPr/>
-          </p:nvSpPr>
-          <p:spPr>
-            <a:xfrm>
-              <a:off x="6374506" y="1810563"/>
-              <a:ext cx="1094609" cy="464969"/>
-            </a:xfrm>
-            <a:custGeom>
-              <a:avLst/>
-              <a:gdLst/>
-              <a:ahLst/>
-              <a:cxnLst>
-                <a:cxn ang="0">
-                  <a:pos x="wd2" y="hd2"/>
-                </a:cxn>
-                <a:cxn ang="5400000">
-                  <a:pos x="wd2" y="hd2"/>
-                </a:cxn>
-                <a:cxn ang="10800000">
-                  <a:pos x="wd2" y="hd2"/>
-                </a:cxn>
-                <a:cxn ang="16200000">
-                  <a:pos x="wd2" y="hd2"/>
-                </a:cxn>
-              </a:cxnLst>
-              <a:rect l="0" t="0" r="r" b="b"/>
-              <a:pathLst>
-                <a:path w="21600" h="16893" extrusionOk="0">
-                  <a:moveTo>
-                    <a:pt x="0" y="16893"/>
-                  </a:moveTo>
-                  <a:cubicBezTo>
-                    <a:pt x="2852" y="-1069"/>
-                    <a:pt x="10052" y="-4707"/>
-                    <a:pt x="21600" y="5979"/>
-                  </a:cubicBezTo>
-                </a:path>
-              </a:pathLst>
-            </a:custGeom>
-            <a:ln w="76200">
-              <a:solidFill>
-                <a:srgbClr val="8DDE00">
-                  <a:alpha val="91765"/>
-                </a:srgbClr>
-              </a:solidFill>
-              <a:miter lim="400000"/>
-            </a:ln>
-          </p:spPr>
-          <p:txBody>
-            <a:bodyPr/>
-            <a:lstStyle/>
-            <a:p>
-              <a:endParaRPr sz="1261"/>
-            </a:p>
-          </p:txBody>
-        </p:sp>
-        <p:sp>
-          <p:nvSpPr>
-            <p:cNvPr id="63" name="Connection Line">
-              <a:extLst>
-                <a:ext uri="{FF2B5EF4-FFF2-40B4-BE49-F238E27FC236}">
-                  <a16:creationId xmlns:a16="http://schemas.microsoft.com/office/drawing/2014/main" id="{7E7605BF-721A-F742-B677-208E8CD8813C}"/>
-                </a:ext>
-              </a:extLst>
-            </p:cNvPr>
-            <p:cNvSpPr/>
-            <p:nvPr/>
-          </p:nvSpPr>
-          <p:spPr>
-            <a:xfrm>
-              <a:off x="6179193" y="2656578"/>
-              <a:ext cx="415566" cy="929179"/>
-            </a:xfrm>
-            <a:custGeom>
-              <a:avLst/>
-              <a:gdLst/>
-              <a:ahLst/>
-              <a:cxnLst>
-                <a:cxn ang="0">
-                  <a:pos x="wd2" y="hd2"/>
-                </a:cxn>
-                <a:cxn ang="5400000">
-                  <a:pos x="wd2" y="hd2"/>
-                </a:cxn>
-                <a:cxn ang="10800000">
-                  <a:pos x="wd2" y="hd2"/>
-                </a:cxn>
-                <a:cxn ang="16200000">
-                  <a:pos x="wd2" y="hd2"/>
-                </a:cxn>
-              </a:cxnLst>
-              <a:rect l="0" t="0" r="r" b="b"/>
-              <a:pathLst>
-                <a:path w="20565" h="21600" extrusionOk="0">
-                  <a:moveTo>
-                    <a:pt x="0" y="0"/>
-                  </a:moveTo>
-                  <a:cubicBezTo>
-                    <a:pt x="14787" y="7590"/>
-                    <a:pt x="21600" y="14790"/>
-                    <a:pt x="20438" y="21600"/>
-                  </a:cubicBezTo>
-                </a:path>
-              </a:pathLst>
-            </a:custGeom>
-            <a:ln w="76200">
-              <a:solidFill>
-                <a:srgbClr val="8DDE00">
-                  <a:alpha val="91765"/>
-                </a:srgbClr>
-              </a:solidFill>
-              <a:miter lim="400000"/>
-            </a:ln>
-          </p:spPr>
-          <p:txBody>
-            <a:bodyPr/>
-            <a:lstStyle/>
-            <a:p>
-              <a:endParaRPr sz="1261"/>
-            </a:p>
-          </p:txBody>
-        </p:sp>
-        <p:sp>
-          <p:nvSpPr>
-            <p:cNvPr id="64" name="Connection Line">
-              <a:extLst>
-                <a:ext uri="{FF2B5EF4-FFF2-40B4-BE49-F238E27FC236}">
-                  <a16:creationId xmlns:a16="http://schemas.microsoft.com/office/drawing/2014/main" id="{53A365B6-1821-D949-AC29-38981A17D16A}"/>
-                </a:ext>
-              </a:extLst>
-            </p:cNvPr>
-            <p:cNvSpPr/>
-            <p:nvPr/>
-          </p:nvSpPr>
-          <p:spPr>
-            <a:xfrm>
-              <a:off x="7375560" y="1931405"/>
-              <a:ext cx="456771" cy="497039"/>
-            </a:xfrm>
-            <a:custGeom>
-              <a:avLst/>
-              <a:gdLst/>
-              <a:ahLst/>
-              <a:cxnLst>
-                <a:cxn ang="0">
-                  <a:pos x="wd2" y="hd2"/>
-                </a:cxn>
-                <a:cxn ang="5400000">
-                  <a:pos x="wd2" y="hd2"/>
-                </a:cxn>
-                <a:cxn ang="10800000">
-                  <a:pos x="wd2" y="hd2"/>
-                </a:cxn>
-                <a:cxn ang="16200000">
-                  <a:pos x="wd2" y="hd2"/>
-                </a:cxn>
-              </a:cxnLst>
-              <a:rect l="0" t="0" r="r" b="b"/>
-              <a:pathLst>
-                <a:path w="21600" h="21600" extrusionOk="0">
-                  <a:moveTo>
-                    <a:pt x="0" y="0"/>
-                  </a:moveTo>
-                  <a:cubicBezTo>
-                    <a:pt x="10540" y="4586"/>
-                    <a:pt x="17740" y="11786"/>
-                    <a:pt x="21600" y="21600"/>
-                  </a:cubicBezTo>
-                </a:path>
-              </a:pathLst>
-            </a:custGeom>
-            <a:ln w="76200">
-              <a:solidFill>
-                <a:srgbClr val="8DDE00">
-                  <a:alpha val="91765"/>
-                </a:srgbClr>
-              </a:solidFill>
-              <a:miter lim="400000"/>
-            </a:ln>
-          </p:spPr>
-          <p:txBody>
-            <a:bodyPr/>
-            <a:lstStyle/>
-            <a:p>
-              <a:endParaRPr sz="1261"/>
-            </a:p>
-          </p:txBody>
-        </p:sp>
-        <p:sp>
-          <p:nvSpPr>
-            <p:cNvPr id="65" name="Connection Line">
-              <a:extLst>
-                <a:ext uri="{FF2B5EF4-FFF2-40B4-BE49-F238E27FC236}">
-                  <a16:creationId xmlns:a16="http://schemas.microsoft.com/office/drawing/2014/main" id="{8F6E5613-F7EE-384A-9082-059E034AD2F0}"/>
-                </a:ext>
-              </a:extLst>
-            </p:cNvPr>
-            <p:cNvSpPr/>
-            <p:nvPr/>
-          </p:nvSpPr>
-          <p:spPr>
-            <a:xfrm>
-              <a:off x="5625222" y="2233038"/>
-              <a:ext cx="781238" cy="64977"/>
-            </a:xfrm>
-            <a:custGeom>
-              <a:avLst/>
-              <a:gdLst/>
-              <a:ahLst/>
-              <a:cxnLst>
-                <a:cxn ang="0">
-                  <a:pos x="wd2" y="hd2"/>
-                </a:cxn>
-                <a:cxn ang="5400000">
-                  <a:pos x="wd2" y="hd2"/>
-                </a:cxn>
-                <a:cxn ang="10800000">
-                  <a:pos x="wd2" y="hd2"/>
-                </a:cxn>
-                <a:cxn ang="16200000">
-                  <a:pos x="wd2" y="hd2"/>
-                </a:cxn>
-              </a:cxnLst>
-              <a:rect l="0" t="0" r="r" b="b"/>
-              <a:pathLst>
-                <a:path w="21600" h="17431" extrusionOk="0">
-                  <a:moveTo>
-                    <a:pt x="0" y="17431"/>
-                  </a:moveTo>
-                  <a:cubicBezTo>
-                    <a:pt x="6866" y="366"/>
-                    <a:pt x="14066" y="-4169"/>
-                    <a:pt x="21600" y="3825"/>
-                  </a:cubicBezTo>
-                </a:path>
-              </a:pathLst>
-            </a:custGeom>
-            <a:ln w="76200">
-              <a:solidFill>
-                <a:srgbClr val="8DDE00">
-                  <a:alpha val="91765"/>
-                </a:srgbClr>
-              </a:solidFill>
-              <a:miter lim="400000"/>
-            </a:ln>
-          </p:spPr>
-          <p:txBody>
-            <a:bodyPr/>
-            <a:lstStyle/>
-            <a:p>
-              <a:endParaRPr sz="1261"/>
-            </a:p>
-          </p:txBody>
-        </p:sp>
-        <p:sp>
-          <p:nvSpPr>
-            <p:cNvPr id="66" name="Connection Line">
-              <a:extLst>
-                <a:ext uri="{FF2B5EF4-FFF2-40B4-BE49-F238E27FC236}">
-                  <a16:creationId xmlns:a16="http://schemas.microsoft.com/office/drawing/2014/main" id="{ECC16AE3-C413-8C4A-9C1F-5B5AEA787BA5}"/>
-                </a:ext>
-              </a:extLst>
-            </p:cNvPr>
-            <p:cNvSpPr/>
-            <p:nvPr/>
-          </p:nvSpPr>
-          <p:spPr>
-            <a:xfrm>
-              <a:off x="6139310" y="2295858"/>
-              <a:ext cx="450997" cy="264576"/>
-            </a:xfrm>
-            <a:custGeom>
-              <a:avLst/>
-              <a:gdLst/>
-              <a:ahLst/>
-              <a:cxnLst>
-                <a:cxn ang="0">
-                  <a:pos x="wd2" y="hd2"/>
-                </a:cxn>
-                <a:cxn ang="5400000">
-                  <a:pos x="wd2" y="hd2"/>
-                </a:cxn>
-                <a:cxn ang="10800000">
-                  <a:pos x="wd2" y="hd2"/>
-                </a:cxn>
-                <a:cxn ang="16200000">
-                  <a:pos x="wd2" y="hd2"/>
-                </a:cxn>
-              </a:cxnLst>
-              <a:rect l="0" t="0" r="r" b="b"/>
-              <a:pathLst>
-                <a:path w="21600" h="21600" extrusionOk="0">
-                  <a:moveTo>
-                    <a:pt x="0" y="21600"/>
-                  </a:moveTo>
-                  <a:cubicBezTo>
-                    <a:pt x="6195" y="11954"/>
-                    <a:pt x="13395" y="4754"/>
-                    <a:pt x="21600" y="0"/>
-                  </a:cubicBezTo>
-                </a:path>
-              </a:pathLst>
-            </a:custGeom>
-            <a:ln w="76200">
-              <a:solidFill>
-                <a:srgbClr val="DD8400">
-                  <a:alpha val="91765"/>
-                </a:srgbClr>
-              </a:solidFill>
-              <a:miter lim="400000"/>
-            </a:ln>
-          </p:spPr>
-          <p:txBody>
-            <a:bodyPr/>
-            <a:lstStyle/>
-            <a:p>
-              <a:endParaRPr sz="1261"/>
-            </a:p>
-          </p:txBody>
-        </p:sp>
-        <p:sp>
-          <p:nvSpPr>
-            <p:cNvPr id="67" name="Connection Line">
-              <a:extLst>
-                <a:ext uri="{FF2B5EF4-FFF2-40B4-BE49-F238E27FC236}">
-                  <a16:creationId xmlns:a16="http://schemas.microsoft.com/office/drawing/2014/main" id="{492946D5-4776-2444-A46E-E89ACB318101}"/>
-                </a:ext>
-              </a:extLst>
-            </p:cNvPr>
-            <p:cNvSpPr/>
-            <p:nvPr/>
-          </p:nvSpPr>
-          <p:spPr>
-            <a:xfrm>
-              <a:off x="6111282" y="2560490"/>
-              <a:ext cx="1046139" cy="107543"/>
-            </a:xfrm>
-            <a:custGeom>
-              <a:avLst/>
-              <a:gdLst/>
-              <a:ahLst/>
-              <a:cxnLst>
-                <a:cxn ang="0">
-                  <a:pos x="wd2" y="hd2"/>
-                </a:cxn>
-                <a:cxn ang="5400000">
-                  <a:pos x="wd2" y="hd2"/>
-                </a:cxn>
-                <a:cxn ang="10800000">
-                  <a:pos x="wd2" y="hd2"/>
-                </a:cxn>
-                <a:cxn ang="16200000">
-                  <a:pos x="wd2" y="hd2"/>
-                </a:cxn>
-              </a:cxnLst>
-              <a:rect l="0" t="0" r="r" b="b"/>
-              <a:pathLst>
-                <a:path w="21600" h="21600" extrusionOk="0">
-                  <a:moveTo>
-                    <a:pt x="0" y="0"/>
-                  </a:moveTo>
-                  <a:lnTo>
-                    <a:pt x="21600" y="21600"/>
-                  </a:lnTo>
-                </a:path>
-              </a:pathLst>
-            </a:custGeom>
-            <a:ln w="76200">
-              <a:solidFill>
-                <a:srgbClr val="DD8400">
-                  <a:alpha val="91765"/>
-                </a:srgbClr>
-              </a:solidFill>
-              <a:miter lim="400000"/>
-            </a:ln>
-          </p:spPr>
-          <p:txBody>
-            <a:bodyPr/>
-            <a:lstStyle/>
-            <a:p>
-              <a:endParaRPr sz="1261"/>
-            </a:p>
-          </p:txBody>
-        </p:sp>
-        <p:sp>
-          <p:nvSpPr>
-            <p:cNvPr id="68" name="Connection Line">
-              <a:extLst>
-                <a:ext uri="{FF2B5EF4-FFF2-40B4-BE49-F238E27FC236}">
-                  <a16:creationId xmlns:a16="http://schemas.microsoft.com/office/drawing/2014/main" id="{AAA67156-991E-D746-BCCA-3949F25DCBE6}"/>
-                </a:ext>
-              </a:extLst>
-            </p:cNvPr>
-            <p:cNvSpPr/>
-            <p:nvPr/>
-          </p:nvSpPr>
-          <p:spPr>
-            <a:xfrm>
-              <a:off x="7324139" y="1810563"/>
-              <a:ext cx="1094609" cy="464969"/>
-            </a:xfrm>
-            <a:custGeom>
-              <a:avLst/>
-              <a:gdLst/>
-              <a:ahLst/>
-              <a:cxnLst>
-                <a:cxn ang="0">
-                  <a:pos x="wd2" y="hd2"/>
-                </a:cxn>
-                <a:cxn ang="5400000">
-                  <a:pos x="wd2" y="hd2"/>
-                </a:cxn>
-                <a:cxn ang="10800000">
-                  <a:pos x="wd2" y="hd2"/>
-                </a:cxn>
-                <a:cxn ang="16200000">
-                  <a:pos x="wd2" y="hd2"/>
-                </a:cxn>
-              </a:cxnLst>
-              <a:rect l="0" t="0" r="r" b="b"/>
-              <a:pathLst>
-                <a:path w="21600" h="16893" extrusionOk="0">
-                  <a:moveTo>
-                    <a:pt x="0" y="16893"/>
-                  </a:moveTo>
-                  <a:cubicBezTo>
-                    <a:pt x="2852" y="-1069"/>
-                    <a:pt x="10052" y="-4707"/>
-                    <a:pt x="21600" y="5979"/>
-                  </a:cubicBezTo>
-                </a:path>
-              </a:pathLst>
-            </a:custGeom>
-            <a:ln w="76200">
-              <a:solidFill>
-                <a:srgbClr val="DD8400">
-                  <a:alpha val="91765"/>
-                </a:srgbClr>
-              </a:solidFill>
-              <a:miter lim="400000"/>
-            </a:ln>
-          </p:spPr>
-          <p:txBody>
-            <a:bodyPr/>
-            <a:lstStyle/>
-            <a:p>
-              <a:endParaRPr sz="1261"/>
-            </a:p>
-          </p:txBody>
-        </p:sp>
-        <p:sp>
-          <p:nvSpPr>
-            <p:cNvPr id="69" name="Connection Line">
-              <a:extLst>
-                <a:ext uri="{FF2B5EF4-FFF2-40B4-BE49-F238E27FC236}">
-                  <a16:creationId xmlns:a16="http://schemas.microsoft.com/office/drawing/2014/main" id="{FC517786-9639-684C-B428-427E99B76793}"/>
-                </a:ext>
-              </a:extLst>
-            </p:cNvPr>
-            <p:cNvSpPr/>
-            <p:nvPr/>
-          </p:nvSpPr>
-          <p:spPr>
-            <a:xfrm>
-              <a:off x="7128828" y="2656576"/>
-              <a:ext cx="415567" cy="929179"/>
-            </a:xfrm>
-            <a:custGeom>
-              <a:avLst/>
-              <a:gdLst/>
-              <a:ahLst/>
-              <a:cxnLst>
-                <a:cxn ang="0">
-                  <a:pos x="wd2" y="hd2"/>
-                </a:cxn>
-                <a:cxn ang="5400000">
-                  <a:pos x="wd2" y="hd2"/>
-                </a:cxn>
-                <a:cxn ang="10800000">
-                  <a:pos x="wd2" y="hd2"/>
-                </a:cxn>
-                <a:cxn ang="16200000">
-                  <a:pos x="wd2" y="hd2"/>
-                </a:cxn>
-              </a:cxnLst>
-              <a:rect l="0" t="0" r="r" b="b"/>
-              <a:pathLst>
-                <a:path w="20565" h="21600" extrusionOk="0">
-                  <a:moveTo>
-                    <a:pt x="0" y="0"/>
-                  </a:moveTo>
-                  <a:cubicBezTo>
-                    <a:pt x="14787" y="7590"/>
-                    <a:pt x="21600" y="14790"/>
-                    <a:pt x="20438" y="21600"/>
-                  </a:cubicBezTo>
-                </a:path>
-              </a:pathLst>
-            </a:custGeom>
-            <a:ln w="76200">
-              <a:solidFill>
-                <a:srgbClr val="DD8400">
-                  <a:alpha val="91765"/>
-                </a:srgbClr>
-              </a:solidFill>
-              <a:miter lim="400000"/>
-            </a:ln>
-          </p:spPr>
-          <p:txBody>
-            <a:bodyPr/>
-            <a:lstStyle/>
-            <a:p>
-              <a:endParaRPr sz="1261"/>
-            </a:p>
-          </p:txBody>
-        </p:sp>
-        <p:sp>
-          <p:nvSpPr>
-            <p:cNvPr id="70" name="Connection Line">
-              <a:extLst>
-                <a:ext uri="{FF2B5EF4-FFF2-40B4-BE49-F238E27FC236}">
-                  <a16:creationId xmlns:a16="http://schemas.microsoft.com/office/drawing/2014/main" id="{570B9C75-9D14-DF43-BB8F-A83E31F837CC}"/>
-                </a:ext>
-              </a:extLst>
-            </p:cNvPr>
-            <p:cNvSpPr/>
-            <p:nvPr/>
-          </p:nvSpPr>
-          <p:spPr>
-            <a:xfrm>
-              <a:off x="8325193" y="1931405"/>
-              <a:ext cx="456771" cy="497039"/>
-            </a:xfrm>
-            <a:custGeom>
-              <a:avLst/>
-              <a:gdLst/>
-              <a:ahLst/>
-              <a:cxnLst>
-                <a:cxn ang="0">
-                  <a:pos x="wd2" y="hd2"/>
-                </a:cxn>
-                <a:cxn ang="5400000">
-                  <a:pos x="wd2" y="hd2"/>
-                </a:cxn>
-                <a:cxn ang="10800000">
-                  <a:pos x="wd2" y="hd2"/>
-                </a:cxn>
-                <a:cxn ang="16200000">
-                  <a:pos x="wd2" y="hd2"/>
-                </a:cxn>
-              </a:cxnLst>
-              <a:rect l="0" t="0" r="r" b="b"/>
-              <a:pathLst>
-                <a:path w="21600" h="21600" extrusionOk="0">
-                  <a:moveTo>
-                    <a:pt x="0" y="0"/>
-                  </a:moveTo>
-                  <a:cubicBezTo>
-                    <a:pt x="10540" y="4586"/>
-                    <a:pt x="17740" y="11786"/>
-                    <a:pt x="21600" y="21600"/>
-                  </a:cubicBezTo>
-                </a:path>
-              </a:pathLst>
-            </a:custGeom>
-            <a:ln w="76200">
-              <a:solidFill>
-                <a:srgbClr val="DD8400">
-                  <a:alpha val="91765"/>
-                </a:srgbClr>
-              </a:solidFill>
-              <a:miter lim="400000"/>
-            </a:ln>
-          </p:spPr>
-          <p:txBody>
-            <a:bodyPr/>
-            <a:lstStyle/>
-            <a:p>
-              <a:endParaRPr sz="1261"/>
-            </a:p>
-          </p:txBody>
-        </p:sp>
-        <p:sp>
-          <p:nvSpPr>
-            <p:cNvPr id="71" name="Connection Line">
-              <a:extLst>
-                <a:ext uri="{FF2B5EF4-FFF2-40B4-BE49-F238E27FC236}">
-                  <a16:creationId xmlns:a16="http://schemas.microsoft.com/office/drawing/2014/main" id="{0D4C0CE5-09FE-B340-AC0C-E748B84C3461}"/>
-                </a:ext>
-              </a:extLst>
-            </p:cNvPr>
-            <p:cNvSpPr/>
-            <p:nvPr/>
-          </p:nvSpPr>
-          <p:spPr>
-            <a:xfrm>
-              <a:off x="6574852" y="2233038"/>
-              <a:ext cx="781238" cy="64977"/>
-            </a:xfrm>
-            <a:custGeom>
-              <a:avLst/>
-              <a:gdLst/>
-              <a:ahLst/>
-              <a:cxnLst>
-                <a:cxn ang="0">
-                  <a:pos x="wd2" y="hd2"/>
-                </a:cxn>
-                <a:cxn ang="5400000">
-                  <a:pos x="wd2" y="hd2"/>
-                </a:cxn>
-                <a:cxn ang="10800000">
-                  <a:pos x="wd2" y="hd2"/>
-                </a:cxn>
-                <a:cxn ang="16200000">
-                  <a:pos x="wd2" y="hd2"/>
-                </a:cxn>
-              </a:cxnLst>
-              <a:rect l="0" t="0" r="r" b="b"/>
-              <a:pathLst>
-                <a:path w="21600" h="17431" extrusionOk="0">
-                  <a:moveTo>
-                    <a:pt x="0" y="17431"/>
-                  </a:moveTo>
-                  <a:cubicBezTo>
-                    <a:pt x="6866" y="366"/>
-                    <a:pt x="14066" y="-4169"/>
-                    <a:pt x="21600" y="3825"/>
-                  </a:cubicBezTo>
-                </a:path>
-              </a:pathLst>
-            </a:custGeom>
-            <a:ln w="76200">
-              <a:solidFill>
-                <a:srgbClr val="DD8400">
-                  <a:alpha val="91765"/>
-                </a:srgbClr>
-              </a:solidFill>
-              <a:miter lim="400000"/>
-            </a:ln>
-          </p:spPr>
-          <p:txBody>
-            <a:bodyPr/>
-            <a:lstStyle/>
-            <a:p>
-              <a:endParaRPr sz="1261"/>
-            </a:p>
-          </p:txBody>
-        </p:sp>
-        <p:sp>
-          <p:nvSpPr>
-            <p:cNvPr id="72" name="Connection Line">
-              <a:extLst>
-                <a:ext uri="{FF2B5EF4-FFF2-40B4-BE49-F238E27FC236}">
-                  <a16:creationId xmlns:a16="http://schemas.microsoft.com/office/drawing/2014/main" id="{3775A993-462A-3245-8C50-B210801C5B69}"/>
-                </a:ext>
-              </a:extLst>
-            </p:cNvPr>
-            <p:cNvSpPr/>
-            <p:nvPr/>
-          </p:nvSpPr>
-          <p:spPr>
-            <a:xfrm>
-              <a:off x="7083780" y="2295857"/>
-              <a:ext cx="450997" cy="264576"/>
-            </a:xfrm>
-            <a:custGeom>
-              <a:avLst/>
-              <a:gdLst/>
-              <a:ahLst/>
-              <a:cxnLst>
-                <a:cxn ang="0">
-                  <a:pos x="wd2" y="hd2"/>
-                </a:cxn>
-                <a:cxn ang="5400000">
-                  <a:pos x="wd2" y="hd2"/>
-                </a:cxn>
-                <a:cxn ang="10800000">
-                  <a:pos x="wd2" y="hd2"/>
-                </a:cxn>
-                <a:cxn ang="16200000">
-                  <a:pos x="wd2" y="hd2"/>
-                </a:cxn>
-              </a:cxnLst>
-              <a:rect l="0" t="0" r="r" b="b"/>
-              <a:pathLst>
-                <a:path w="21600" h="21600" extrusionOk="0">
-                  <a:moveTo>
-                    <a:pt x="0" y="21600"/>
-                  </a:moveTo>
-                  <a:cubicBezTo>
-                    <a:pt x="6195" y="11954"/>
-                    <a:pt x="13395" y="4754"/>
-                    <a:pt x="21600" y="0"/>
-                  </a:cubicBezTo>
-                </a:path>
-              </a:pathLst>
-            </a:custGeom>
-            <a:ln w="76200">
-              <a:solidFill>
-                <a:srgbClr val="DD5F54">
-                  <a:alpha val="91765"/>
-                </a:srgbClr>
-              </a:solidFill>
-              <a:miter lim="400000"/>
-            </a:ln>
-          </p:spPr>
-          <p:txBody>
-            <a:bodyPr/>
-            <a:lstStyle/>
-            <a:p>
-              <a:endParaRPr sz="1261"/>
-            </a:p>
-          </p:txBody>
-        </p:sp>
-        <p:sp>
-          <p:nvSpPr>
-            <p:cNvPr id="73" name="Connection Line">
-              <a:extLst>
-                <a:ext uri="{FF2B5EF4-FFF2-40B4-BE49-F238E27FC236}">
-                  <a16:creationId xmlns:a16="http://schemas.microsoft.com/office/drawing/2014/main" id="{F5F91404-7E15-6B46-B2D8-A1E770B358C4}"/>
-                </a:ext>
-              </a:extLst>
-            </p:cNvPr>
-            <p:cNvSpPr/>
-            <p:nvPr/>
-          </p:nvSpPr>
-          <p:spPr>
-            <a:xfrm>
-              <a:off x="7055754" y="2560490"/>
-              <a:ext cx="1046139" cy="107543"/>
-            </a:xfrm>
-            <a:custGeom>
-              <a:avLst/>
-              <a:gdLst/>
-              <a:ahLst/>
-              <a:cxnLst>
-                <a:cxn ang="0">
-                  <a:pos x="wd2" y="hd2"/>
-                </a:cxn>
-                <a:cxn ang="5400000">
-                  <a:pos x="wd2" y="hd2"/>
-                </a:cxn>
-                <a:cxn ang="10800000">
-                  <a:pos x="wd2" y="hd2"/>
-                </a:cxn>
-                <a:cxn ang="16200000">
-                  <a:pos x="wd2" y="hd2"/>
-                </a:cxn>
-              </a:cxnLst>
-              <a:rect l="0" t="0" r="r" b="b"/>
-              <a:pathLst>
-                <a:path w="21600" h="21600" extrusionOk="0">
-                  <a:moveTo>
-                    <a:pt x="0" y="0"/>
-                  </a:moveTo>
-                  <a:lnTo>
-                    <a:pt x="21600" y="21600"/>
-                  </a:lnTo>
-                </a:path>
-              </a:pathLst>
-            </a:custGeom>
-            <a:ln w="76200">
-              <a:solidFill>
-                <a:srgbClr val="DD5F54">
-                  <a:alpha val="91765"/>
-                </a:srgbClr>
-              </a:solidFill>
-              <a:miter lim="400000"/>
-            </a:ln>
-          </p:spPr>
-          <p:txBody>
-            <a:bodyPr/>
-            <a:lstStyle/>
-            <a:p>
-              <a:endParaRPr sz="1261"/>
-            </a:p>
-          </p:txBody>
-        </p:sp>
-        <p:sp>
-          <p:nvSpPr>
-            <p:cNvPr id="74" name="Connection Line">
-              <a:extLst>
-                <a:ext uri="{FF2B5EF4-FFF2-40B4-BE49-F238E27FC236}">
-                  <a16:creationId xmlns:a16="http://schemas.microsoft.com/office/drawing/2014/main" id="{E6015692-5A1E-4644-BB35-A14086279590}"/>
-                </a:ext>
-              </a:extLst>
-            </p:cNvPr>
-            <p:cNvSpPr/>
-            <p:nvPr/>
-          </p:nvSpPr>
-          <p:spPr>
-            <a:xfrm>
-              <a:off x="8268608" y="1810562"/>
-              <a:ext cx="1094609" cy="464969"/>
-            </a:xfrm>
-            <a:custGeom>
-              <a:avLst/>
-              <a:gdLst/>
-              <a:ahLst/>
-              <a:cxnLst>
-                <a:cxn ang="0">
-                  <a:pos x="wd2" y="hd2"/>
-                </a:cxn>
-                <a:cxn ang="5400000">
-                  <a:pos x="wd2" y="hd2"/>
-                </a:cxn>
-                <a:cxn ang="10800000">
-                  <a:pos x="wd2" y="hd2"/>
-                </a:cxn>
-                <a:cxn ang="16200000">
-                  <a:pos x="wd2" y="hd2"/>
-                </a:cxn>
-              </a:cxnLst>
-              <a:rect l="0" t="0" r="r" b="b"/>
-              <a:pathLst>
-                <a:path w="21600" h="16893" extrusionOk="0">
-                  <a:moveTo>
-                    <a:pt x="0" y="16893"/>
-                  </a:moveTo>
-                  <a:cubicBezTo>
-                    <a:pt x="2852" y="-1069"/>
-                    <a:pt x="10052" y="-4707"/>
-                    <a:pt x="21600" y="5979"/>
-                  </a:cubicBezTo>
-                </a:path>
-              </a:pathLst>
-            </a:custGeom>
-            <a:ln w="76200">
-              <a:solidFill>
-                <a:srgbClr val="DD5F54">
-                  <a:alpha val="91765"/>
-                </a:srgbClr>
-              </a:solidFill>
-              <a:miter lim="400000"/>
-            </a:ln>
-          </p:spPr>
-          <p:txBody>
-            <a:bodyPr/>
-            <a:lstStyle/>
-            <a:p>
-              <a:endParaRPr sz="1261"/>
-            </a:p>
-          </p:txBody>
-        </p:sp>
-        <p:sp>
-          <p:nvSpPr>
-            <p:cNvPr id="75" name="Connection Line">
-              <a:extLst>
-                <a:ext uri="{FF2B5EF4-FFF2-40B4-BE49-F238E27FC236}">
-                  <a16:creationId xmlns:a16="http://schemas.microsoft.com/office/drawing/2014/main" id="{E1ADF86A-5577-0041-9118-0210B5F75A3B}"/>
-                </a:ext>
-              </a:extLst>
-            </p:cNvPr>
-            <p:cNvSpPr/>
-            <p:nvPr/>
-          </p:nvSpPr>
-          <p:spPr>
-            <a:xfrm>
-              <a:off x="8073296" y="2656575"/>
-              <a:ext cx="415566" cy="929179"/>
-            </a:xfrm>
-            <a:custGeom>
-              <a:avLst/>
-              <a:gdLst/>
-              <a:ahLst/>
-              <a:cxnLst>
-                <a:cxn ang="0">
-                  <a:pos x="wd2" y="hd2"/>
-                </a:cxn>
-                <a:cxn ang="5400000">
-                  <a:pos x="wd2" y="hd2"/>
-                </a:cxn>
-                <a:cxn ang="10800000">
-                  <a:pos x="wd2" y="hd2"/>
-                </a:cxn>
-                <a:cxn ang="16200000">
-                  <a:pos x="wd2" y="hd2"/>
-                </a:cxn>
-              </a:cxnLst>
-              <a:rect l="0" t="0" r="r" b="b"/>
-              <a:pathLst>
-                <a:path w="20565" h="21600" extrusionOk="0">
-                  <a:moveTo>
-                    <a:pt x="0" y="0"/>
-                  </a:moveTo>
-                  <a:cubicBezTo>
-                    <a:pt x="14787" y="7590"/>
-                    <a:pt x="21600" y="14790"/>
-                    <a:pt x="20438" y="21600"/>
-                  </a:cubicBezTo>
-                </a:path>
-              </a:pathLst>
-            </a:custGeom>
-            <a:ln w="76200">
-              <a:solidFill>
-                <a:srgbClr val="DD5F54">
-                  <a:alpha val="91765"/>
-                </a:srgbClr>
-              </a:solidFill>
-              <a:miter lim="400000"/>
-            </a:ln>
-          </p:spPr>
-          <p:txBody>
-            <a:bodyPr/>
-            <a:lstStyle/>
-            <a:p>
-              <a:endParaRPr sz="1261"/>
-            </a:p>
-          </p:txBody>
-        </p:sp>
-        <p:sp>
-          <p:nvSpPr>
-            <p:cNvPr id="76" name="Connection Line">
-              <a:extLst>
-                <a:ext uri="{FF2B5EF4-FFF2-40B4-BE49-F238E27FC236}">
-                  <a16:creationId xmlns:a16="http://schemas.microsoft.com/office/drawing/2014/main" id="{61F14E1E-E7A2-4143-944D-0458D1D2448E}"/>
-                </a:ext>
-              </a:extLst>
-            </p:cNvPr>
-            <p:cNvSpPr/>
-            <p:nvPr/>
-          </p:nvSpPr>
-          <p:spPr>
-            <a:xfrm>
-              <a:off x="9269665" y="1931405"/>
-              <a:ext cx="456771" cy="497039"/>
-            </a:xfrm>
-            <a:custGeom>
-              <a:avLst/>
-              <a:gdLst/>
-              <a:ahLst/>
-              <a:cxnLst>
-                <a:cxn ang="0">
-                  <a:pos x="wd2" y="hd2"/>
-                </a:cxn>
-                <a:cxn ang="5400000">
-                  <a:pos x="wd2" y="hd2"/>
-                </a:cxn>
-                <a:cxn ang="10800000">
-                  <a:pos x="wd2" y="hd2"/>
-                </a:cxn>
-                <a:cxn ang="16200000">
-                  <a:pos x="wd2" y="hd2"/>
-                </a:cxn>
-              </a:cxnLst>
-              <a:rect l="0" t="0" r="r" b="b"/>
-              <a:pathLst>
-                <a:path w="21600" h="21600" extrusionOk="0">
-                  <a:moveTo>
-                    <a:pt x="0" y="0"/>
-                  </a:moveTo>
-                  <a:cubicBezTo>
-                    <a:pt x="10540" y="4586"/>
-                    <a:pt x="17740" y="11786"/>
-                    <a:pt x="21600" y="21600"/>
-                  </a:cubicBezTo>
-                </a:path>
-              </a:pathLst>
-            </a:custGeom>
-            <a:ln w="76200">
-              <a:solidFill>
-                <a:srgbClr val="DD5F54">
-                  <a:alpha val="91765"/>
-                </a:srgbClr>
-              </a:solidFill>
-              <a:miter lim="400000"/>
-            </a:ln>
-          </p:spPr>
-          <p:txBody>
-            <a:bodyPr/>
-            <a:lstStyle/>
-            <a:p>
-              <a:endParaRPr sz="1261"/>
-            </a:p>
-          </p:txBody>
-        </p:sp>
-        <p:sp>
-          <p:nvSpPr>
-            <p:cNvPr id="77" name="Connection Line">
-              <a:extLst>
-                <a:ext uri="{FF2B5EF4-FFF2-40B4-BE49-F238E27FC236}">
-                  <a16:creationId xmlns:a16="http://schemas.microsoft.com/office/drawing/2014/main" id="{7898F1F4-B932-F845-8D5E-ED5215D0CEE2}"/>
-                </a:ext>
-              </a:extLst>
-            </p:cNvPr>
-            <p:cNvSpPr/>
-            <p:nvPr/>
-          </p:nvSpPr>
-          <p:spPr>
-            <a:xfrm>
-              <a:off x="7519323" y="2233038"/>
-              <a:ext cx="781238" cy="64977"/>
-            </a:xfrm>
-            <a:custGeom>
-              <a:avLst/>
-              <a:gdLst/>
-              <a:ahLst/>
-              <a:cxnLst>
-                <a:cxn ang="0">
-                  <a:pos x="wd2" y="hd2"/>
-                </a:cxn>
-                <a:cxn ang="5400000">
-                  <a:pos x="wd2" y="hd2"/>
-                </a:cxn>
-                <a:cxn ang="10800000">
-                  <a:pos x="wd2" y="hd2"/>
-                </a:cxn>
-                <a:cxn ang="16200000">
-                  <a:pos x="wd2" y="hd2"/>
-                </a:cxn>
-              </a:cxnLst>
-              <a:rect l="0" t="0" r="r" b="b"/>
-              <a:pathLst>
-                <a:path w="21600" h="17431" extrusionOk="0">
-                  <a:moveTo>
-                    <a:pt x="0" y="17431"/>
-                  </a:moveTo>
-                  <a:cubicBezTo>
-                    <a:pt x="6866" y="366"/>
-                    <a:pt x="14066" y="-4169"/>
-                    <a:pt x="21600" y="3825"/>
-                  </a:cubicBezTo>
-                </a:path>
-              </a:pathLst>
-            </a:custGeom>
-            <a:ln w="76200">
-              <a:solidFill>
-                <a:srgbClr val="DD5F54">
-                  <a:alpha val="91765"/>
-                </a:srgbClr>
-              </a:solidFill>
-              <a:miter lim="400000"/>
-            </a:ln>
-          </p:spPr>
-          <p:txBody>
-            <a:bodyPr/>
-            <a:lstStyle/>
-            <a:p>
-              <a:endParaRPr sz="1261"/>
-            </a:p>
-          </p:txBody>
-        </p:sp>
-        <p:sp>
-          <p:nvSpPr>
-            <p:cNvPr id="78" name="Line">
-              <a:extLst>
-                <a:ext uri="{FF2B5EF4-FFF2-40B4-BE49-F238E27FC236}">
-                  <a16:creationId xmlns:a16="http://schemas.microsoft.com/office/drawing/2014/main" id="{17CACBE9-5324-7444-9BE1-8986CC78E7EF}"/>
-                </a:ext>
-              </a:extLst>
-            </p:cNvPr>
-            <p:cNvSpPr/>
-            <p:nvPr/>
-          </p:nvSpPr>
-          <p:spPr>
-            <a:xfrm>
-              <a:off x="2337581" y="3725372"/>
-              <a:ext cx="7388855" cy="8225"/>
-            </a:xfrm>
-            <a:prstGeom prst="line">
-              <a:avLst/>
-            </a:prstGeom>
-            <a:ln w="38100">
-              <a:solidFill>
-                <a:srgbClr val="000000"/>
-              </a:solidFill>
-              <a:miter lim="400000"/>
-            </a:ln>
-          </p:spPr>
-          <p:txBody>
-            <a:bodyPr lIns="36286" tIns="36286" rIns="36286" bIns="36286" anchor="ctr"/>
-            <a:lstStyle/>
-            <a:p>
-              <a:endParaRPr sz="1261"/>
-            </a:p>
-          </p:txBody>
-        </p:sp>
-        <p:sp>
-          <p:nvSpPr>
-            <p:cNvPr id="79" name="RAYVENS">
-              <a:extLst>
-                <a:ext uri="{FF2B5EF4-FFF2-40B4-BE49-F238E27FC236}">
-                  <a16:creationId xmlns:a16="http://schemas.microsoft.com/office/drawing/2014/main" id="{DBD6B669-4516-2440-992C-F30983655E3A}"/>
-                </a:ext>
-              </a:extLst>
-            </p:cNvPr>
-            <p:cNvSpPr txBox="1"/>
-            <p:nvPr/>
-          </p:nvSpPr>
-          <p:spPr>
-            <a:xfrm>
-              <a:off x="4971696" y="3781088"/>
-              <a:ext cx="2694745" cy="740898"/>
-            </a:xfrm>
-            <a:prstGeom prst="rect">
-              <a:avLst/>
-            </a:prstGeom>
-            <a:ln w="12700">
-              <a:miter lim="400000"/>
-            </a:ln>
+        </p:nvSpPr>
+        <p:spPr>
+          <a:xfrm>
+            <a:off x="2599354" y="2181332"/>
+            <a:ext cx="2729265" cy="750389"/>
+          </a:xfrm>
+          <a:prstGeom prst="rect">
+            <a:avLst/>
+          </a:prstGeom>
+          <a:ln w="12700">
+            <a:miter lim="400000"/>
+          </a:ln>
+          <a:extLst>
+            <a:ext uri="{C572A759-6A51-4108-AA02-DFA0A04FC94B}">
+              <ma14:wrappingTextBoxFlag xmlns="" xmlns:m="http://schemas.openxmlformats.org/officeDocument/2006/math" xmlns:a14="http://schemas.microsoft.com/office/drawing/2010/main" xmlns:ma14="http://schemas.microsoft.com/office/mac/drawingml/2011/main" val="1"/>
+            </a:ext>
+          </a:extLst>
+        </p:spPr>
+        <p:txBody>
+          <a:bodyPr wrap="none" lIns="36286" tIns="36286" rIns="36286" bIns="36286" anchor="ctr">
+            <a:spAutoFit/>
+          </a:bodyPr>
+          <a:lstStyle/>
+          <a:p>
+            <a:pPr algn="ctr"/>
+            <a:r>
+              <a:rPr sz="4400" dirty="0">
+                <a:latin typeface="Arial" panose="020B0604020202020204" pitchFamily="34" charset="0"/>
+                <a:cs typeface="Arial" panose="020B0604020202020204" pitchFamily="34" charset="0"/>
+              </a:rPr>
+              <a:t>RAYVENS</a:t>
+            </a:r>
+          </a:p>
+        </p:txBody>
+      </p:sp>
+      <p:sp>
+        <p:nvSpPr>
+          <p:cNvPr id="118" name="Connection Line">
             <a:extLst>
-              <a:ext uri="{C572A759-6A51-4108-AA02-DFA0A04FC94B}">
-                <ma14:wrappingTextBoxFlag xmlns:ma14="http://schemas.microsoft.com/office/mac/drawingml/2011/main" xmlns:a14="http://schemas.microsoft.com/office/drawing/2010/main" xmlns:m="http://schemas.openxmlformats.org/officeDocument/2006/math" xmlns="" val="1"/>
+              <a:ext uri="{FF2B5EF4-FFF2-40B4-BE49-F238E27FC236}">
+                <a16:creationId xmlns:a16="http://schemas.microsoft.com/office/drawing/2014/main" id="{78E2C492-3C54-AA48-A89C-CEF783A37B3F}"/>
               </a:ext>
             </a:extLst>
-          </p:spPr>
-          <p:txBody>
-            <a:bodyPr wrap="none" lIns="36286" tIns="36286" rIns="36286" bIns="36286" anchor="ctr">
-              <a:spAutoFit/>
-            </a:bodyPr>
-            <a:lstStyle/>
-            <a:p>
-              <a:r>
-                <a:rPr sz="4286" dirty="0">
-                  <a:latin typeface="Arial" panose="020B0604020202020204" pitchFamily="34" charset="0"/>
-                  <a:cs typeface="Arial" panose="020B0604020202020204" pitchFamily="34" charset="0"/>
-                </a:rPr>
-                <a:t>RAYVENS</a:t>
-              </a:r>
-            </a:p>
-          </p:txBody>
-        </p:sp>
-      </p:grpSp>
+          </p:cNvPr>
+          <p:cNvSpPr/>
+          <p:nvPr/>
+        </p:nvSpPr>
+        <p:spPr>
+          <a:xfrm>
+            <a:off x="297603" y="717412"/>
+            <a:ext cx="450997" cy="264576"/>
+          </a:xfrm>
+          <a:custGeom>
+            <a:avLst/>
+            <a:gdLst/>
+            <a:ahLst/>
+            <a:cxnLst>
+              <a:cxn ang="0">
+                <a:pos x="wd2" y="hd2"/>
+              </a:cxn>
+              <a:cxn ang="5400000">
+                <a:pos x="wd2" y="hd2"/>
+              </a:cxn>
+              <a:cxn ang="10800000">
+                <a:pos x="wd2" y="hd2"/>
+              </a:cxn>
+              <a:cxn ang="16200000">
+                <a:pos x="wd2" y="hd2"/>
+              </a:cxn>
+            </a:cxnLst>
+            <a:rect l="0" t="0" r="r" b="b"/>
+            <a:pathLst>
+              <a:path w="21600" h="21600" extrusionOk="0">
+                <a:moveTo>
+                  <a:pt x="0" y="21600"/>
+                </a:moveTo>
+                <a:cubicBezTo>
+                  <a:pt x="6195" y="11954"/>
+                  <a:pt x="13395" y="4754"/>
+                  <a:pt x="21600" y="0"/>
+                </a:cubicBezTo>
+              </a:path>
+            </a:pathLst>
+          </a:custGeom>
+          <a:ln w="76200">
+            <a:solidFill>
+              <a:srgbClr val="000000"/>
+            </a:solidFill>
+            <a:miter lim="400000"/>
+          </a:ln>
+        </p:spPr>
+        <p:txBody>
+          <a:bodyPr/>
+          <a:lstStyle/>
+          <a:p>
+            <a:endParaRPr sz="1261"/>
+          </a:p>
+        </p:txBody>
+      </p:sp>
+      <p:sp>
+        <p:nvSpPr>
+          <p:cNvPr id="119" name="Connection Line">
+            <a:extLst>
+              <a:ext uri="{FF2B5EF4-FFF2-40B4-BE49-F238E27FC236}">
+                <a16:creationId xmlns:a16="http://schemas.microsoft.com/office/drawing/2014/main" id="{7156D163-60D3-BF40-A1B4-EBFE3671F965}"/>
+              </a:ext>
+            </a:extLst>
+          </p:cNvPr>
+          <p:cNvSpPr/>
+          <p:nvPr/>
+        </p:nvSpPr>
+        <p:spPr>
+          <a:xfrm>
+            <a:off x="269579" y="982045"/>
+            <a:ext cx="1046139" cy="107543"/>
+          </a:xfrm>
+          <a:custGeom>
+            <a:avLst/>
+            <a:gdLst/>
+            <a:ahLst/>
+            <a:cxnLst>
+              <a:cxn ang="0">
+                <a:pos x="wd2" y="hd2"/>
+              </a:cxn>
+              <a:cxn ang="5400000">
+                <a:pos x="wd2" y="hd2"/>
+              </a:cxn>
+              <a:cxn ang="10800000">
+                <a:pos x="wd2" y="hd2"/>
+              </a:cxn>
+              <a:cxn ang="16200000">
+                <a:pos x="wd2" y="hd2"/>
+              </a:cxn>
+            </a:cxnLst>
+            <a:rect l="0" t="0" r="r" b="b"/>
+            <a:pathLst>
+              <a:path w="21600" h="21600" extrusionOk="0">
+                <a:moveTo>
+                  <a:pt x="0" y="0"/>
+                </a:moveTo>
+                <a:lnTo>
+                  <a:pt x="21600" y="21600"/>
+                </a:lnTo>
+              </a:path>
+            </a:pathLst>
+          </a:custGeom>
+          <a:ln w="76200">
+            <a:solidFill>
+              <a:srgbClr val="000000"/>
+            </a:solidFill>
+            <a:miter lim="400000"/>
+          </a:ln>
+        </p:spPr>
+        <p:txBody>
+          <a:bodyPr/>
+          <a:lstStyle/>
+          <a:p>
+            <a:endParaRPr sz="1261"/>
+          </a:p>
+        </p:txBody>
+      </p:sp>
+      <p:sp>
+        <p:nvSpPr>
+          <p:cNvPr id="120" name="Connection Line">
+            <a:extLst>
+              <a:ext uri="{FF2B5EF4-FFF2-40B4-BE49-F238E27FC236}">
+                <a16:creationId xmlns:a16="http://schemas.microsoft.com/office/drawing/2014/main" id="{4849C90E-33BB-A242-8A8D-96C69650B6FF}"/>
+              </a:ext>
+            </a:extLst>
+          </p:cNvPr>
+          <p:cNvSpPr/>
+          <p:nvPr/>
+        </p:nvSpPr>
+        <p:spPr>
+          <a:xfrm>
+            <a:off x="1482432" y="232115"/>
+            <a:ext cx="1094609" cy="464969"/>
+          </a:xfrm>
+          <a:custGeom>
+            <a:avLst/>
+            <a:gdLst/>
+            <a:ahLst/>
+            <a:cxnLst>
+              <a:cxn ang="0">
+                <a:pos x="wd2" y="hd2"/>
+              </a:cxn>
+              <a:cxn ang="5400000">
+                <a:pos x="wd2" y="hd2"/>
+              </a:cxn>
+              <a:cxn ang="10800000">
+                <a:pos x="wd2" y="hd2"/>
+              </a:cxn>
+              <a:cxn ang="16200000">
+                <a:pos x="wd2" y="hd2"/>
+              </a:cxn>
+            </a:cxnLst>
+            <a:rect l="0" t="0" r="r" b="b"/>
+            <a:pathLst>
+              <a:path w="21600" h="16893" extrusionOk="0">
+                <a:moveTo>
+                  <a:pt x="0" y="16893"/>
+                </a:moveTo>
+                <a:cubicBezTo>
+                  <a:pt x="2852" y="-1069"/>
+                  <a:pt x="10052" y="-4707"/>
+                  <a:pt x="21600" y="5979"/>
+                </a:cubicBezTo>
+              </a:path>
+            </a:pathLst>
+          </a:custGeom>
+          <a:ln w="76200">
+            <a:solidFill>
+              <a:srgbClr val="000000"/>
+            </a:solidFill>
+            <a:miter lim="400000"/>
+          </a:ln>
+        </p:spPr>
+        <p:txBody>
+          <a:bodyPr/>
+          <a:lstStyle/>
+          <a:p>
+            <a:endParaRPr sz="1261"/>
+          </a:p>
+        </p:txBody>
+      </p:sp>
+      <p:sp>
+        <p:nvSpPr>
+          <p:cNvPr id="121" name="Connection Line">
+            <a:extLst>
+              <a:ext uri="{FF2B5EF4-FFF2-40B4-BE49-F238E27FC236}">
+                <a16:creationId xmlns:a16="http://schemas.microsoft.com/office/drawing/2014/main" id="{A240FB46-7379-F742-B073-CF553A2B1DC7}"/>
+              </a:ext>
+            </a:extLst>
+          </p:cNvPr>
+          <p:cNvSpPr/>
+          <p:nvPr/>
+        </p:nvSpPr>
+        <p:spPr>
+          <a:xfrm>
+            <a:off x="1287118" y="1078131"/>
+            <a:ext cx="415566" cy="929179"/>
+          </a:xfrm>
+          <a:custGeom>
+            <a:avLst/>
+            <a:gdLst/>
+            <a:ahLst/>
+            <a:cxnLst>
+              <a:cxn ang="0">
+                <a:pos x="wd2" y="hd2"/>
+              </a:cxn>
+              <a:cxn ang="5400000">
+                <a:pos x="wd2" y="hd2"/>
+              </a:cxn>
+              <a:cxn ang="10800000">
+                <a:pos x="wd2" y="hd2"/>
+              </a:cxn>
+              <a:cxn ang="16200000">
+                <a:pos x="wd2" y="hd2"/>
+              </a:cxn>
+            </a:cxnLst>
+            <a:rect l="0" t="0" r="r" b="b"/>
+            <a:pathLst>
+              <a:path w="20565" h="21600" extrusionOk="0">
+                <a:moveTo>
+                  <a:pt x="0" y="0"/>
+                </a:moveTo>
+                <a:cubicBezTo>
+                  <a:pt x="14787" y="7590"/>
+                  <a:pt x="21600" y="14790"/>
+                  <a:pt x="20438" y="21600"/>
+                </a:cubicBezTo>
+              </a:path>
+            </a:pathLst>
+          </a:custGeom>
+          <a:ln w="76200">
+            <a:solidFill>
+              <a:srgbClr val="000000"/>
+            </a:solidFill>
+            <a:miter lim="400000"/>
+          </a:ln>
+        </p:spPr>
+        <p:txBody>
+          <a:bodyPr/>
+          <a:lstStyle/>
+          <a:p>
+            <a:endParaRPr sz="1261"/>
+          </a:p>
+        </p:txBody>
+      </p:sp>
+      <p:sp>
+        <p:nvSpPr>
+          <p:cNvPr id="122" name="Connection Line">
+            <a:extLst>
+              <a:ext uri="{FF2B5EF4-FFF2-40B4-BE49-F238E27FC236}">
+                <a16:creationId xmlns:a16="http://schemas.microsoft.com/office/drawing/2014/main" id="{180F9E9F-C5E4-A944-BDF7-4CDA6852037C}"/>
+              </a:ext>
+            </a:extLst>
+          </p:cNvPr>
+          <p:cNvSpPr/>
+          <p:nvPr/>
+        </p:nvSpPr>
+        <p:spPr>
+          <a:xfrm>
+            <a:off x="2483487" y="352960"/>
+            <a:ext cx="456771" cy="497038"/>
+          </a:xfrm>
+          <a:custGeom>
+            <a:avLst/>
+            <a:gdLst/>
+            <a:ahLst/>
+            <a:cxnLst>
+              <a:cxn ang="0">
+                <a:pos x="wd2" y="hd2"/>
+              </a:cxn>
+              <a:cxn ang="5400000">
+                <a:pos x="wd2" y="hd2"/>
+              </a:cxn>
+              <a:cxn ang="10800000">
+                <a:pos x="wd2" y="hd2"/>
+              </a:cxn>
+              <a:cxn ang="16200000">
+                <a:pos x="wd2" y="hd2"/>
+              </a:cxn>
+            </a:cxnLst>
+            <a:rect l="0" t="0" r="r" b="b"/>
+            <a:pathLst>
+              <a:path w="21600" h="21600" extrusionOk="0">
+                <a:moveTo>
+                  <a:pt x="0" y="0"/>
+                </a:moveTo>
+                <a:cubicBezTo>
+                  <a:pt x="10540" y="4586"/>
+                  <a:pt x="17740" y="11786"/>
+                  <a:pt x="21600" y="21600"/>
+                </a:cubicBezTo>
+              </a:path>
+            </a:pathLst>
+          </a:custGeom>
+          <a:ln w="76200">
+            <a:solidFill>
+              <a:srgbClr val="000000"/>
+            </a:solidFill>
+            <a:miter lim="400000"/>
+          </a:ln>
+        </p:spPr>
+        <p:txBody>
+          <a:bodyPr/>
+          <a:lstStyle/>
+          <a:p>
+            <a:endParaRPr sz="1261"/>
+          </a:p>
+        </p:txBody>
+      </p:sp>
+      <p:sp>
+        <p:nvSpPr>
+          <p:cNvPr id="123" name="Connection Line">
+            <a:extLst>
+              <a:ext uri="{FF2B5EF4-FFF2-40B4-BE49-F238E27FC236}">
+                <a16:creationId xmlns:a16="http://schemas.microsoft.com/office/drawing/2014/main" id="{1B20FBF8-E03B-F44D-B0A3-4C0170568260}"/>
+              </a:ext>
+            </a:extLst>
+          </p:cNvPr>
+          <p:cNvSpPr/>
+          <p:nvPr/>
+        </p:nvSpPr>
+        <p:spPr>
+          <a:xfrm>
+            <a:off x="733148" y="654594"/>
+            <a:ext cx="781238" cy="64976"/>
+          </a:xfrm>
+          <a:custGeom>
+            <a:avLst/>
+            <a:gdLst/>
+            <a:ahLst/>
+            <a:cxnLst>
+              <a:cxn ang="0">
+                <a:pos x="wd2" y="hd2"/>
+              </a:cxn>
+              <a:cxn ang="5400000">
+                <a:pos x="wd2" y="hd2"/>
+              </a:cxn>
+              <a:cxn ang="10800000">
+                <a:pos x="wd2" y="hd2"/>
+              </a:cxn>
+              <a:cxn ang="16200000">
+                <a:pos x="wd2" y="hd2"/>
+              </a:cxn>
+            </a:cxnLst>
+            <a:rect l="0" t="0" r="r" b="b"/>
+            <a:pathLst>
+              <a:path w="21600" h="17431" extrusionOk="0">
+                <a:moveTo>
+                  <a:pt x="0" y="17431"/>
+                </a:moveTo>
+                <a:cubicBezTo>
+                  <a:pt x="6866" y="366"/>
+                  <a:pt x="14066" y="-4169"/>
+                  <a:pt x="21600" y="3825"/>
+                </a:cubicBezTo>
+              </a:path>
+            </a:pathLst>
+          </a:custGeom>
+          <a:ln w="76200">
+            <a:solidFill>
+              <a:srgbClr val="000000"/>
+            </a:solidFill>
+            <a:miter lim="400000"/>
+          </a:ln>
+        </p:spPr>
+        <p:txBody>
+          <a:bodyPr/>
+          <a:lstStyle/>
+          <a:p>
+            <a:endParaRPr sz="1261"/>
+          </a:p>
+        </p:txBody>
+      </p:sp>
+      <p:sp>
+        <p:nvSpPr>
+          <p:cNvPr id="124" name="Connection Line">
+            <a:extLst>
+              <a:ext uri="{FF2B5EF4-FFF2-40B4-BE49-F238E27FC236}">
+                <a16:creationId xmlns:a16="http://schemas.microsoft.com/office/drawing/2014/main" id="{C80B730E-A990-994D-9A1E-E1B61B66177F}"/>
+              </a:ext>
+            </a:extLst>
+          </p:cNvPr>
+          <p:cNvSpPr/>
+          <p:nvPr/>
+        </p:nvSpPr>
+        <p:spPr>
+          <a:xfrm>
+            <a:off x="1237403" y="716903"/>
+            <a:ext cx="450997" cy="264576"/>
+          </a:xfrm>
+          <a:custGeom>
+            <a:avLst/>
+            <a:gdLst/>
+            <a:ahLst/>
+            <a:cxnLst>
+              <a:cxn ang="0">
+                <a:pos x="wd2" y="hd2"/>
+              </a:cxn>
+              <a:cxn ang="5400000">
+                <a:pos x="wd2" y="hd2"/>
+              </a:cxn>
+              <a:cxn ang="10800000">
+                <a:pos x="wd2" y="hd2"/>
+              </a:cxn>
+              <a:cxn ang="16200000">
+                <a:pos x="wd2" y="hd2"/>
+              </a:cxn>
+            </a:cxnLst>
+            <a:rect l="0" t="0" r="r" b="b"/>
+            <a:pathLst>
+              <a:path w="21600" h="21600" extrusionOk="0">
+                <a:moveTo>
+                  <a:pt x="0" y="21600"/>
+                </a:moveTo>
+                <a:cubicBezTo>
+                  <a:pt x="6195" y="11954"/>
+                  <a:pt x="13395" y="4754"/>
+                  <a:pt x="21600" y="0"/>
+                </a:cubicBezTo>
+              </a:path>
+            </a:pathLst>
+          </a:custGeom>
+          <a:ln w="76200">
+            <a:solidFill>
+              <a:srgbClr val="1583C0">
+                <a:alpha val="92157"/>
+              </a:srgbClr>
+            </a:solidFill>
+            <a:miter lim="400000"/>
+          </a:ln>
+        </p:spPr>
+        <p:txBody>
+          <a:bodyPr/>
+          <a:lstStyle/>
+          <a:p>
+            <a:endParaRPr sz="1261"/>
+          </a:p>
+        </p:txBody>
+      </p:sp>
+      <p:sp>
+        <p:nvSpPr>
+          <p:cNvPr id="125" name="Connection Line">
+            <a:extLst>
+              <a:ext uri="{FF2B5EF4-FFF2-40B4-BE49-F238E27FC236}">
+                <a16:creationId xmlns:a16="http://schemas.microsoft.com/office/drawing/2014/main" id="{FC681619-C34A-0F46-9C5E-537A6D0BF427}"/>
+              </a:ext>
+            </a:extLst>
+          </p:cNvPr>
+          <p:cNvSpPr/>
+          <p:nvPr/>
+        </p:nvSpPr>
+        <p:spPr>
+          <a:xfrm>
+            <a:off x="1209379" y="981535"/>
+            <a:ext cx="1046139" cy="107543"/>
+          </a:xfrm>
+          <a:custGeom>
+            <a:avLst/>
+            <a:gdLst/>
+            <a:ahLst/>
+            <a:cxnLst>
+              <a:cxn ang="0">
+                <a:pos x="wd2" y="hd2"/>
+              </a:cxn>
+              <a:cxn ang="5400000">
+                <a:pos x="wd2" y="hd2"/>
+              </a:cxn>
+              <a:cxn ang="10800000">
+                <a:pos x="wd2" y="hd2"/>
+              </a:cxn>
+              <a:cxn ang="16200000">
+                <a:pos x="wd2" y="hd2"/>
+              </a:cxn>
+            </a:cxnLst>
+            <a:rect l="0" t="0" r="r" b="b"/>
+            <a:pathLst>
+              <a:path w="21600" h="21600" extrusionOk="0">
+                <a:moveTo>
+                  <a:pt x="0" y="0"/>
+                </a:moveTo>
+                <a:lnTo>
+                  <a:pt x="21600" y="21600"/>
+                </a:lnTo>
+              </a:path>
+            </a:pathLst>
+          </a:custGeom>
+          <a:ln w="76200">
+            <a:solidFill>
+              <a:srgbClr val="1583C0">
+                <a:alpha val="92157"/>
+              </a:srgbClr>
+            </a:solidFill>
+            <a:miter lim="400000"/>
+          </a:ln>
+        </p:spPr>
+        <p:txBody>
+          <a:bodyPr/>
+          <a:lstStyle/>
+          <a:p>
+            <a:endParaRPr sz="1261"/>
+          </a:p>
+        </p:txBody>
+      </p:sp>
+      <p:sp>
+        <p:nvSpPr>
+          <p:cNvPr id="126" name="Connection Line">
+            <a:extLst>
+              <a:ext uri="{FF2B5EF4-FFF2-40B4-BE49-F238E27FC236}">
+                <a16:creationId xmlns:a16="http://schemas.microsoft.com/office/drawing/2014/main" id="{80119215-6C84-CB45-9120-B903FA6DA927}"/>
+              </a:ext>
+            </a:extLst>
+          </p:cNvPr>
+          <p:cNvSpPr/>
+          <p:nvPr/>
+        </p:nvSpPr>
+        <p:spPr>
+          <a:xfrm>
+            <a:off x="2422232" y="231608"/>
+            <a:ext cx="1094609" cy="464969"/>
+          </a:xfrm>
+          <a:custGeom>
+            <a:avLst/>
+            <a:gdLst/>
+            <a:ahLst/>
+            <a:cxnLst>
+              <a:cxn ang="0">
+                <a:pos x="wd2" y="hd2"/>
+              </a:cxn>
+              <a:cxn ang="5400000">
+                <a:pos x="wd2" y="hd2"/>
+              </a:cxn>
+              <a:cxn ang="10800000">
+                <a:pos x="wd2" y="hd2"/>
+              </a:cxn>
+              <a:cxn ang="16200000">
+                <a:pos x="wd2" y="hd2"/>
+              </a:cxn>
+            </a:cxnLst>
+            <a:rect l="0" t="0" r="r" b="b"/>
+            <a:pathLst>
+              <a:path w="21600" h="16893" extrusionOk="0">
+                <a:moveTo>
+                  <a:pt x="0" y="16893"/>
+                </a:moveTo>
+                <a:cubicBezTo>
+                  <a:pt x="2852" y="-1069"/>
+                  <a:pt x="10052" y="-4707"/>
+                  <a:pt x="21600" y="5979"/>
+                </a:cubicBezTo>
+              </a:path>
+            </a:pathLst>
+          </a:custGeom>
+          <a:ln w="76200">
+            <a:solidFill>
+              <a:srgbClr val="1583C0">
+                <a:alpha val="92157"/>
+              </a:srgbClr>
+            </a:solidFill>
+            <a:miter lim="400000"/>
+          </a:ln>
+        </p:spPr>
+        <p:txBody>
+          <a:bodyPr/>
+          <a:lstStyle/>
+          <a:p>
+            <a:endParaRPr sz="1261"/>
+          </a:p>
+        </p:txBody>
+      </p:sp>
+      <p:sp>
+        <p:nvSpPr>
+          <p:cNvPr id="127" name="Connection Line">
+            <a:extLst>
+              <a:ext uri="{FF2B5EF4-FFF2-40B4-BE49-F238E27FC236}">
+                <a16:creationId xmlns:a16="http://schemas.microsoft.com/office/drawing/2014/main" id="{549A4C6C-71CF-534D-920A-285A11CB065F}"/>
+              </a:ext>
+            </a:extLst>
+          </p:cNvPr>
+          <p:cNvSpPr/>
+          <p:nvPr/>
+        </p:nvSpPr>
+        <p:spPr>
+          <a:xfrm>
+            <a:off x="2226918" y="1077623"/>
+            <a:ext cx="415566" cy="929179"/>
+          </a:xfrm>
+          <a:custGeom>
+            <a:avLst/>
+            <a:gdLst/>
+            <a:ahLst/>
+            <a:cxnLst>
+              <a:cxn ang="0">
+                <a:pos x="wd2" y="hd2"/>
+              </a:cxn>
+              <a:cxn ang="5400000">
+                <a:pos x="wd2" y="hd2"/>
+              </a:cxn>
+              <a:cxn ang="10800000">
+                <a:pos x="wd2" y="hd2"/>
+              </a:cxn>
+              <a:cxn ang="16200000">
+                <a:pos x="wd2" y="hd2"/>
+              </a:cxn>
+            </a:cxnLst>
+            <a:rect l="0" t="0" r="r" b="b"/>
+            <a:pathLst>
+              <a:path w="20565" h="21600" extrusionOk="0">
+                <a:moveTo>
+                  <a:pt x="0" y="0"/>
+                </a:moveTo>
+                <a:cubicBezTo>
+                  <a:pt x="14787" y="7590"/>
+                  <a:pt x="21600" y="14790"/>
+                  <a:pt x="20438" y="21600"/>
+                </a:cubicBezTo>
+              </a:path>
+            </a:pathLst>
+          </a:custGeom>
+          <a:ln w="76200">
+            <a:solidFill>
+              <a:srgbClr val="1583C0">
+                <a:alpha val="92157"/>
+              </a:srgbClr>
+            </a:solidFill>
+            <a:miter lim="400000"/>
+          </a:ln>
+        </p:spPr>
+        <p:txBody>
+          <a:bodyPr/>
+          <a:lstStyle/>
+          <a:p>
+            <a:endParaRPr sz="1261"/>
+          </a:p>
+        </p:txBody>
+      </p:sp>
+      <p:sp>
+        <p:nvSpPr>
+          <p:cNvPr id="128" name="Connection Line">
+            <a:extLst>
+              <a:ext uri="{FF2B5EF4-FFF2-40B4-BE49-F238E27FC236}">
+                <a16:creationId xmlns:a16="http://schemas.microsoft.com/office/drawing/2014/main" id="{EE4393B1-A174-6149-AD0E-91BADB154E47}"/>
+              </a:ext>
+            </a:extLst>
+          </p:cNvPr>
+          <p:cNvSpPr/>
+          <p:nvPr/>
+        </p:nvSpPr>
+        <p:spPr>
+          <a:xfrm>
+            <a:off x="3423287" y="352452"/>
+            <a:ext cx="456771" cy="497038"/>
+          </a:xfrm>
+          <a:custGeom>
+            <a:avLst/>
+            <a:gdLst/>
+            <a:ahLst/>
+            <a:cxnLst>
+              <a:cxn ang="0">
+                <a:pos x="wd2" y="hd2"/>
+              </a:cxn>
+              <a:cxn ang="5400000">
+                <a:pos x="wd2" y="hd2"/>
+              </a:cxn>
+              <a:cxn ang="10800000">
+                <a:pos x="wd2" y="hd2"/>
+              </a:cxn>
+              <a:cxn ang="16200000">
+                <a:pos x="wd2" y="hd2"/>
+              </a:cxn>
+            </a:cxnLst>
+            <a:rect l="0" t="0" r="r" b="b"/>
+            <a:pathLst>
+              <a:path w="21600" h="21600" extrusionOk="0">
+                <a:moveTo>
+                  <a:pt x="0" y="0"/>
+                </a:moveTo>
+                <a:cubicBezTo>
+                  <a:pt x="10540" y="4586"/>
+                  <a:pt x="17740" y="11786"/>
+                  <a:pt x="21600" y="21600"/>
+                </a:cubicBezTo>
+              </a:path>
+            </a:pathLst>
+          </a:custGeom>
+          <a:ln w="76200">
+            <a:solidFill>
+              <a:srgbClr val="1583C0">
+                <a:alpha val="92157"/>
+              </a:srgbClr>
+            </a:solidFill>
+            <a:miter lim="400000"/>
+          </a:ln>
+        </p:spPr>
+        <p:txBody>
+          <a:bodyPr/>
+          <a:lstStyle/>
+          <a:p>
+            <a:endParaRPr sz="1261"/>
+          </a:p>
+        </p:txBody>
+      </p:sp>
+      <p:sp>
+        <p:nvSpPr>
+          <p:cNvPr id="129" name="Connection Line">
+            <a:extLst>
+              <a:ext uri="{FF2B5EF4-FFF2-40B4-BE49-F238E27FC236}">
+                <a16:creationId xmlns:a16="http://schemas.microsoft.com/office/drawing/2014/main" id="{56FBADBC-C25B-9644-9A2F-C4CA95412357}"/>
+              </a:ext>
+            </a:extLst>
+          </p:cNvPr>
+          <p:cNvSpPr/>
+          <p:nvPr/>
+        </p:nvSpPr>
+        <p:spPr>
+          <a:xfrm>
+            <a:off x="1672948" y="654087"/>
+            <a:ext cx="781238" cy="64976"/>
+          </a:xfrm>
+          <a:custGeom>
+            <a:avLst/>
+            <a:gdLst/>
+            <a:ahLst/>
+            <a:cxnLst>
+              <a:cxn ang="0">
+                <a:pos x="wd2" y="hd2"/>
+              </a:cxn>
+              <a:cxn ang="5400000">
+                <a:pos x="wd2" y="hd2"/>
+              </a:cxn>
+              <a:cxn ang="10800000">
+                <a:pos x="wd2" y="hd2"/>
+              </a:cxn>
+              <a:cxn ang="16200000">
+                <a:pos x="wd2" y="hd2"/>
+              </a:cxn>
+            </a:cxnLst>
+            <a:rect l="0" t="0" r="r" b="b"/>
+            <a:pathLst>
+              <a:path w="21600" h="17431" extrusionOk="0">
+                <a:moveTo>
+                  <a:pt x="0" y="17431"/>
+                </a:moveTo>
+                <a:cubicBezTo>
+                  <a:pt x="6866" y="366"/>
+                  <a:pt x="14066" y="-4169"/>
+                  <a:pt x="21600" y="3825"/>
+                </a:cubicBezTo>
+              </a:path>
+            </a:pathLst>
+          </a:custGeom>
+          <a:ln w="76200">
+            <a:solidFill>
+              <a:srgbClr val="1583C0">
+                <a:alpha val="92157"/>
+              </a:srgbClr>
+            </a:solidFill>
+            <a:miter lim="400000"/>
+          </a:ln>
+        </p:spPr>
+        <p:txBody>
+          <a:bodyPr/>
+          <a:lstStyle/>
+          <a:p>
+            <a:endParaRPr sz="1261"/>
+          </a:p>
+        </p:txBody>
+      </p:sp>
+      <p:sp>
+        <p:nvSpPr>
+          <p:cNvPr id="130" name="Connection Line">
+            <a:extLst>
+              <a:ext uri="{FF2B5EF4-FFF2-40B4-BE49-F238E27FC236}">
+                <a16:creationId xmlns:a16="http://schemas.microsoft.com/office/drawing/2014/main" id="{E8D39F0B-364C-6146-B844-98FC7F830CB0}"/>
+              </a:ext>
+            </a:extLst>
+          </p:cNvPr>
+          <p:cNvSpPr/>
+          <p:nvPr/>
+        </p:nvSpPr>
+        <p:spPr>
+          <a:xfrm>
+            <a:off x="2177203" y="716903"/>
+            <a:ext cx="450997" cy="264576"/>
+          </a:xfrm>
+          <a:custGeom>
+            <a:avLst/>
+            <a:gdLst/>
+            <a:ahLst/>
+            <a:cxnLst>
+              <a:cxn ang="0">
+                <a:pos x="wd2" y="hd2"/>
+              </a:cxn>
+              <a:cxn ang="5400000">
+                <a:pos x="wd2" y="hd2"/>
+              </a:cxn>
+              <a:cxn ang="10800000">
+                <a:pos x="wd2" y="hd2"/>
+              </a:cxn>
+              <a:cxn ang="16200000">
+                <a:pos x="wd2" y="hd2"/>
+              </a:cxn>
+            </a:cxnLst>
+            <a:rect l="0" t="0" r="r" b="b"/>
+            <a:pathLst>
+              <a:path w="21600" h="21600" extrusionOk="0">
+                <a:moveTo>
+                  <a:pt x="0" y="21600"/>
+                </a:moveTo>
+                <a:cubicBezTo>
+                  <a:pt x="6195" y="11954"/>
+                  <a:pt x="13395" y="4754"/>
+                  <a:pt x="21600" y="0"/>
+                </a:cubicBezTo>
+              </a:path>
+            </a:pathLst>
+          </a:custGeom>
+          <a:ln w="76200">
+            <a:solidFill>
+              <a:srgbClr val="15CD98">
+                <a:alpha val="91765"/>
+              </a:srgbClr>
+            </a:solidFill>
+            <a:miter lim="400000"/>
+          </a:ln>
+        </p:spPr>
+        <p:txBody>
+          <a:bodyPr/>
+          <a:lstStyle/>
+          <a:p>
+            <a:endParaRPr sz="1261"/>
+          </a:p>
+        </p:txBody>
+      </p:sp>
+      <p:sp>
+        <p:nvSpPr>
+          <p:cNvPr id="131" name="Connection Line">
+            <a:extLst>
+              <a:ext uri="{FF2B5EF4-FFF2-40B4-BE49-F238E27FC236}">
+                <a16:creationId xmlns:a16="http://schemas.microsoft.com/office/drawing/2014/main" id="{E23D1172-9919-E046-A8F5-993558DBD368}"/>
+              </a:ext>
+            </a:extLst>
+          </p:cNvPr>
+          <p:cNvSpPr/>
+          <p:nvPr/>
+        </p:nvSpPr>
+        <p:spPr>
+          <a:xfrm>
+            <a:off x="2149179" y="981535"/>
+            <a:ext cx="1046139" cy="107543"/>
+          </a:xfrm>
+          <a:custGeom>
+            <a:avLst/>
+            <a:gdLst/>
+            <a:ahLst/>
+            <a:cxnLst>
+              <a:cxn ang="0">
+                <a:pos x="wd2" y="hd2"/>
+              </a:cxn>
+              <a:cxn ang="5400000">
+                <a:pos x="wd2" y="hd2"/>
+              </a:cxn>
+              <a:cxn ang="10800000">
+                <a:pos x="wd2" y="hd2"/>
+              </a:cxn>
+              <a:cxn ang="16200000">
+                <a:pos x="wd2" y="hd2"/>
+              </a:cxn>
+            </a:cxnLst>
+            <a:rect l="0" t="0" r="r" b="b"/>
+            <a:pathLst>
+              <a:path w="21600" h="21600" extrusionOk="0">
+                <a:moveTo>
+                  <a:pt x="0" y="0"/>
+                </a:moveTo>
+                <a:lnTo>
+                  <a:pt x="21600" y="21600"/>
+                </a:lnTo>
+              </a:path>
+            </a:pathLst>
+          </a:custGeom>
+          <a:ln w="76200">
+            <a:solidFill>
+              <a:srgbClr val="15CD98">
+                <a:alpha val="91765"/>
+              </a:srgbClr>
+            </a:solidFill>
+            <a:miter lim="400000"/>
+          </a:ln>
+        </p:spPr>
+        <p:txBody>
+          <a:bodyPr/>
+          <a:lstStyle/>
+          <a:p>
+            <a:endParaRPr sz="1261"/>
+          </a:p>
+        </p:txBody>
+      </p:sp>
+      <p:sp>
+        <p:nvSpPr>
+          <p:cNvPr id="132" name="Connection Line">
+            <a:extLst>
+              <a:ext uri="{FF2B5EF4-FFF2-40B4-BE49-F238E27FC236}">
+                <a16:creationId xmlns:a16="http://schemas.microsoft.com/office/drawing/2014/main" id="{970090A3-1E33-CC4D-867D-0456328CC68E}"/>
+              </a:ext>
+            </a:extLst>
+          </p:cNvPr>
+          <p:cNvSpPr/>
+          <p:nvPr/>
+        </p:nvSpPr>
+        <p:spPr>
+          <a:xfrm>
+            <a:off x="3362033" y="231608"/>
+            <a:ext cx="1094609" cy="464969"/>
+          </a:xfrm>
+          <a:custGeom>
+            <a:avLst/>
+            <a:gdLst/>
+            <a:ahLst/>
+            <a:cxnLst>
+              <a:cxn ang="0">
+                <a:pos x="wd2" y="hd2"/>
+              </a:cxn>
+              <a:cxn ang="5400000">
+                <a:pos x="wd2" y="hd2"/>
+              </a:cxn>
+              <a:cxn ang="10800000">
+                <a:pos x="wd2" y="hd2"/>
+              </a:cxn>
+              <a:cxn ang="16200000">
+                <a:pos x="wd2" y="hd2"/>
+              </a:cxn>
+            </a:cxnLst>
+            <a:rect l="0" t="0" r="r" b="b"/>
+            <a:pathLst>
+              <a:path w="21600" h="16893" extrusionOk="0">
+                <a:moveTo>
+                  <a:pt x="0" y="16893"/>
+                </a:moveTo>
+                <a:cubicBezTo>
+                  <a:pt x="2852" y="-1069"/>
+                  <a:pt x="10052" y="-4707"/>
+                  <a:pt x="21600" y="5979"/>
+                </a:cubicBezTo>
+              </a:path>
+            </a:pathLst>
+          </a:custGeom>
+          <a:ln w="76200">
+            <a:solidFill>
+              <a:srgbClr val="15CD98">
+                <a:alpha val="91765"/>
+              </a:srgbClr>
+            </a:solidFill>
+            <a:miter lim="400000"/>
+          </a:ln>
+        </p:spPr>
+        <p:txBody>
+          <a:bodyPr/>
+          <a:lstStyle/>
+          <a:p>
+            <a:endParaRPr sz="1261"/>
+          </a:p>
+        </p:txBody>
+      </p:sp>
+      <p:sp>
+        <p:nvSpPr>
+          <p:cNvPr id="133" name="Connection Line">
+            <a:extLst>
+              <a:ext uri="{FF2B5EF4-FFF2-40B4-BE49-F238E27FC236}">
+                <a16:creationId xmlns:a16="http://schemas.microsoft.com/office/drawing/2014/main" id="{F2BDA27D-C0D8-F145-8F51-AB6110C81AC1}"/>
+              </a:ext>
+            </a:extLst>
+          </p:cNvPr>
+          <p:cNvSpPr/>
+          <p:nvPr/>
+        </p:nvSpPr>
+        <p:spPr>
+          <a:xfrm>
+            <a:off x="3166721" y="1077623"/>
+            <a:ext cx="415566" cy="929179"/>
+          </a:xfrm>
+          <a:custGeom>
+            <a:avLst/>
+            <a:gdLst/>
+            <a:ahLst/>
+            <a:cxnLst>
+              <a:cxn ang="0">
+                <a:pos x="wd2" y="hd2"/>
+              </a:cxn>
+              <a:cxn ang="5400000">
+                <a:pos x="wd2" y="hd2"/>
+              </a:cxn>
+              <a:cxn ang="10800000">
+                <a:pos x="wd2" y="hd2"/>
+              </a:cxn>
+              <a:cxn ang="16200000">
+                <a:pos x="wd2" y="hd2"/>
+              </a:cxn>
+            </a:cxnLst>
+            <a:rect l="0" t="0" r="r" b="b"/>
+            <a:pathLst>
+              <a:path w="20565" h="21600" extrusionOk="0">
+                <a:moveTo>
+                  <a:pt x="0" y="0"/>
+                </a:moveTo>
+                <a:cubicBezTo>
+                  <a:pt x="14787" y="7590"/>
+                  <a:pt x="21600" y="14790"/>
+                  <a:pt x="20438" y="21600"/>
+                </a:cubicBezTo>
+              </a:path>
+            </a:pathLst>
+          </a:custGeom>
+          <a:ln w="76200">
+            <a:solidFill>
+              <a:srgbClr val="15CD98">
+                <a:alpha val="91765"/>
+              </a:srgbClr>
+            </a:solidFill>
+            <a:miter lim="400000"/>
+          </a:ln>
+        </p:spPr>
+        <p:txBody>
+          <a:bodyPr/>
+          <a:lstStyle/>
+          <a:p>
+            <a:endParaRPr sz="1261"/>
+          </a:p>
+        </p:txBody>
+      </p:sp>
+      <p:sp>
+        <p:nvSpPr>
+          <p:cNvPr id="134" name="Connection Line">
+            <a:extLst>
+              <a:ext uri="{FF2B5EF4-FFF2-40B4-BE49-F238E27FC236}">
+                <a16:creationId xmlns:a16="http://schemas.microsoft.com/office/drawing/2014/main" id="{23C695D1-8E29-A94D-9F1C-ED0FFC74D01D}"/>
+              </a:ext>
+            </a:extLst>
+          </p:cNvPr>
+          <p:cNvSpPr/>
+          <p:nvPr/>
+        </p:nvSpPr>
+        <p:spPr>
+          <a:xfrm>
+            <a:off x="4363087" y="352452"/>
+            <a:ext cx="456771" cy="497038"/>
+          </a:xfrm>
+          <a:custGeom>
+            <a:avLst/>
+            <a:gdLst/>
+            <a:ahLst/>
+            <a:cxnLst>
+              <a:cxn ang="0">
+                <a:pos x="wd2" y="hd2"/>
+              </a:cxn>
+              <a:cxn ang="5400000">
+                <a:pos x="wd2" y="hd2"/>
+              </a:cxn>
+              <a:cxn ang="10800000">
+                <a:pos x="wd2" y="hd2"/>
+              </a:cxn>
+              <a:cxn ang="16200000">
+                <a:pos x="wd2" y="hd2"/>
+              </a:cxn>
+            </a:cxnLst>
+            <a:rect l="0" t="0" r="r" b="b"/>
+            <a:pathLst>
+              <a:path w="21600" h="21600" extrusionOk="0">
+                <a:moveTo>
+                  <a:pt x="0" y="0"/>
+                </a:moveTo>
+                <a:cubicBezTo>
+                  <a:pt x="10540" y="4586"/>
+                  <a:pt x="17740" y="11786"/>
+                  <a:pt x="21600" y="21600"/>
+                </a:cubicBezTo>
+              </a:path>
+            </a:pathLst>
+          </a:custGeom>
+          <a:ln w="76200">
+            <a:solidFill>
+              <a:srgbClr val="15CD98">
+                <a:alpha val="91765"/>
+              </a:srgbClr>
+            </a:solidFill>
+            <a:miter lim="400000"/>
+          </a:ln>
+        </p:spPr>
+        <p:txBody>
+          <a:bodyPr/>
+          <a:lstStyle/>
+          <a:p>
+            <a:endParaRPr sz="1261"/>
+          </a:p>
+        </p:txBody>
+      </p:sp>
+      <p:sp>
+        <p:nvSpPr>
+          <p:cNvPr id="135" name="Connection Line">
+            <a:extLst>
+              <a:ext uri="{FF2B5EF4-FFF2-40B4-BE49-F238E27FC236}">
+                <a16:creationId xmlns:a16="http://schemas.microsoft.com/office/drawing/2014/main" id="{75F651E2-1610-BC43-A142-54CE0323F41A}"/>
+              </a:ext>
+            </a:extLst>
+          </p:cNvPr>
+          <p:cNvSpPr/>
+          <p:nvPr/>
+        </p:nvSpPr>
+        <p:spPr>
+          <a:xfrm>
+            <a:off x="2612750" y="654087"/>
+            <a:ext cx="781238" cy="64976"/>
+          </a:xfrm>
+          <a:custGeom>
+            <a:avLst/>
+            <a:gdLst/>
+            <a:ahLst/>
+            <a:cxnLst>
+              <a:cxn ang="0">
+                <a:pos x="wd2" y="hd2"/>
+              </a:cxn>
+              <a:cxn ang="5400000">
+                <a:pos x="wd2" y="hd2"/>
+              </a:cxn>
+              <a:cxn ang="10800000">
+                <a:pos x="wd2" y="hd2"/>
+              </a:cxn>
+              <a:cxn ang="16200000">
+                <a:pos x="wd2" y="hd2"/>
+              </a:cxn>
+            </a:cxnLst>
+            <a:rect l="0" t="0" r="r" b="b"/>
+            <a:pathLst>
+              <a:path w="21600" h="17431" extrusionOk="0">
+                <a:moveTo>
+                  <a:pt x="0" y="17431"/>
+                </a:moveTo>
+                <a:cubicBezTo>
+                  <a:pt x="6866" y="366"/>
+                  <a:pt x="14066" y="-4169"/>
+                  <a:pt x="21600" y="3825"/>
+                </a:cubicBezTo>
+              </a:path>
+            </a:pathLst>
+          </a:custGeom>
+          <a:ln w="76200">
+            <a:solidFill>
+              <a:srgbClr val="15CD98">
+                <a:alpha val="91765"/>
+              </a:srgbClr>
+            </a:solidFill>
+            <a:miter lim="400000"/>
+          </a:ln>
+        </p:spPr>
+        <p:txBody>
+          <a:bodyPr/>
+          <a:lstStyle/>
+          <a:p>
+            <a:endParaRPr sz="1261"/>
+          </a:p>
+        </p:txBody>
+      </p:sp>
+      <p:sp>
+        <p:nvSpPr>
+          <p:cNvPr id="136" name="Connection Line">
+            <a:extLst>
+              <a:ext uri="{FF2B5EF4-FFF2-40B4-BE49-F238E27FC236}">
+                <a16:creationId xmlns:a16="http://schemas.microsoft.com/office/drawing/2014/main" id="{CC8E2329-16F8-AC40-A123-64694729519B}"/>
+              </a:ext>
+            </a:extLst>
+          </p:cNvPr>
+          <p:cNvSpPr/>
+          <p:nvPr/>
+        </p:nvSpPr>
+        <p:spPr>
+          <a:xfrm>
+            <a:off x="3121675" y="716903"/>
+            <a:ext cx="450997" cy="264576"/>
+          </a:xfrm>
+          <a:custGeom>
+            <a:avLst/>
+            <a:gdLst/>
+            <a:ahLst/>
+            <a:cxnLst>
+              <a:cxn ang="0">
+                <a:pos x="wd2" y="hd2"/>
+              </a:cxn>
+              <a:cxn ang="5400000">
+                <a:pos x="wd2" y="hd2"/>
+              </a:cxn>
+              <a:cxn ang="10800000">
+                <a:pos x="wd2" y="hd2"/>
+              </a:cxn>
+              <a:cxn ang="16200000">
+                <a:pos x="wd2" y="hd2"/>
+              </a:cxn>
+            </a:cxnLst>
+            <a:rect l="0" t="0" r="r" b="b"/>
+            <a:pathLst>
+              <a:path w="21600" h="21600" extrusionOk="0">
+                <a:moveTo>
+                  <a:pt x="0" y="21600"/>
+                </a:moveTo>
+                <a:cubicBezTo>
+                  <a:pt x="6195" y="11954"/>
+                  <a:pt x="13395" y="4754"/>
+                  <a:pt x="21600" y="0"/>
+                </a:cubicBezTo>
+              </a:path>
+            </a:pathLst>
+          </a:custGeom>
+          <a:ln w="76200">
+            <a:solidFill>
+              <a:srgbClr val="8DDE00">
+                <a:alpha val="91765"/>
+              </a:srgbClr>
+            </a:solidFill>
+            <a:miter lim="400000"/>
+          </a:ln>
+        </p:spPr>
+        <p:txBody>
+          <a:bodyPr/>
+          <a:lstStyle/>
+          <a:p>
+            <a:endParaRPr sz="1261"/>
+          </a:p>
+        </p:txBody>
+      </p:sp>
+      <p:sp>
+        <p:nvSpPr>
+          <p:cNvPr id="137" name="Connection Line">
+            <a:extLst>
+              <a:ext uri="{FF2B5EF4-FFF2-40B4-BE49-F238E27FC236}">
+                <a16:creationId xmlns:a16="http://schemas.microsoft.com/office/drawing/2014/main" id="{CB164779-FD20-DD44-9C0C-2D558154505A}"/>
+              </a:ext>
+            </a:extLst>
+          </p:cNvPr>
+          <p:cNvSpPr/>
+          <p:nvPr/>
+        </p:nvSpPr>
+        <p:spPr>
+          <a:xfrm>
+            <a:off x="3093650" y="981535"/>
+            <a:ext cx="1046139" cy="107543"/>
+          </a:xfrm>
+          <a:custGeom>
+            <a:avLst/>
+            <a:gdLst/>
+            <a:ahLst/>
+            <a:cxnLst>
+              <a:cxn ang="0">
+                <a:pos x="wd2" y="hd2"/>
+              </a:cxn>
+              <a:cxn ang="5400000">
+                <a:pos x="wd2" y="hd2"/>
+              </a:cxn>
+              <a:cxn ang="10800000">
+                <a:pos x="wd2" y="hd2"/>
+              </a:cxn>
+              <a:cxn ang="16200000">
+                <a:pos x="wd2" y="hd2"/>
+              </a:cxn>
+            </a:cxnLst>
+            <a:rect l="0" t="0" r="r" b="b"/>
+            <a:pathLst>
+              <a:path w="21600" h="21600" extrusionOk="0">
+                <a:moveTo>
+                  <a:pt x="0" y="0"/>
+                </a:moveTo>
+                <a:lnTo>
+                  <a:pt x="21600" y="21600"/>
+                </a:lnTo>
+              </a:path>
+            </a:pathLst>
+          </a:custGeom>
+          <a:ln w="76200">
+            <a:solidFill>
+              <a:srgbClr val="8DDE00">
+                <a:alpha val="91765"/>
+              </a:srgbClr>
+            </a:solidFill>
+            <a:miter lim="400000"/>
+          </a:ln>
+        </p:spPr>
+        <p:txBody>
+          <a:bodyPr/>
+          <a:lstStyle/>
+          <a:p>
+            <a:endParaRPr sz="1261"/>
+          </a:p>
+        </p:txBody>
+      </p:sp>
+      <p:sp>
+        <p:nvSpPr>
+          <p:cNvPr id="138" name="Connection Line">
+            <a:extLst>
+              <a:ext uri="{FF2B5EF4-FFF2-40B4-BE49-F238E27FC236}">
+                <a16:creationId xmlns:a16="http://schemas.microsoft.com/office/drawing/2014/main" id="{29431038-A552-6640-AACF-50779AA388F7}"/>
+              </a:ext>
+            </a:extLst>
+          </p:cNvPr>
+          <p:cNvSpPr/>
+          <p:nvPr/>
+        </p:nvSpPr>
+        <p:spPr>
+          <a:xfrm>
+            <a:off x="4306504" y="231608"/>
+            <a:ext cx="1094609" cy="464969"/>
+          </a:xfrm>
+          <a:custGeom>
+            <a:avLst/>
+            <a:gdLst/>
+            <a:ahLst/>
+            <a:cxnLst>
+              <a:cxn ang="0">
+                <a:pos x="wd2" y="hd2"/>
+              </a:cxn>
+              <a:cxn ang="5400000">
+                <a:pos x="wd2" y="hd2"/>
+              </a:cxn>
+              <a:cxn ang="10800000">
+                <a:pos x="wd2" y="hd2"/>
+              </a:cxn>
+              <a:cxn ang="16200000">
+                <a:pos x="wd2" y="hd2"/>
+              </a:cxn>
+            </a:cxnLst>
+            <a:rect l="0" t="0" r="r" b="b"/>
+            <a:pathLst>
+              <a:path w="21600" h="16893" extrusionOk="0">
+                <a:moveTo>
+                  <a:pt x="0" y="16893"/>
+                </a:moveTo>
+                <a:cubicBezTo>
+                  <a:pt x="2852" y="-1069"/>
+                  <a:pt x="10052" y="-4707"/>
+                  <a:pt x="21600" y="5979"/>
+                </a:cubicBezTo>
+              </a:path>
+            </a:pathLst>
+          </a:custGeom>
+          <a:ln w="76200">
+            <a:solidFill>
+              <a:srgbClr val="8DDE00">
+                <a:alpha val="91765"/>
+              </a:srgbClr>
+            </a:solidFill>
+            <a:miter lim="400000"/>
+          </a:ln>
+        </p:spPr>
+        <p:txBody>
+          <a:bodyPr/>
+          <a:lstStyle/>
+          <a:p>
+            <a:endParaRPr sz="1261"/>
+          </a:p>
+        </p:txBody>
+      </p:sp>
+      <p:sp>
+        <p:nvSpPr>
+          <p:cNvPr id="139" name="Connection Line">
+            <a:extLst>
+              <a:ext uri="{FF2B5EF4-FFF2-40B4-BE49-F238E27FC236}">
+                <a16:creationId xmlns:a16="http://schemas.microsoft.com/office/drawing/2014/main" id="{0D869BA3-3218-B54A-A464-DC80D14E052C}"/>
+              </a:ext>
+            </a:extLst>
+          </p:cNvPr>
+          <p:cNvSpPr/>
+          <p:nvPr/>
+        </p:nvSpPr>
+        <p:spPr>
+          <a:xfrm>
+            <a:off x="4111191" y="1077623"/>
+            <a:ext cx="415566" cy="929179"/>
+          </a:xfrm>
+          <a:custGeom>
+            <a:avLst/>
+            <a:gdLst/>
+            <a:ahLst/>
+            <a:cxnLst>
+              <a:cxn ang="0">
+                <a:pos x="wd2" y="hd2"/>
+              </a:cxn>
+              <a:cxn ang="5400000">
+                <a:pos x="wd2" y="hd2"/>
+              </a:cxn>
+              <a:cxn ang="10800000">
+                <a:pos x="wd2" y="hd2"/>
+              </a:cxn>
+              <a:cxn ang="16200000">
+                <a:pos x="wd2" y="hd2"/>
+              </a:cxn>
+            </a:cxnLst>
+            <a:rect l="0" t="0" r="r" b="b"/>
+            <a:pathLst>
+              <a:path w="20565" h="21600" extrusionOk="0">
+                <a:moveTo>
+                  <a:pt x="0" y="0"/>
+                </a:moveTo>
+                <a:cubicBezTo>
+                  <a:pt x="14787" y="7590"/>
+                  <a:pt x="21600" y="14790"/>
+                  <a:pt x="20438" y="21600"/>
+                </a:cubicBezTo>
+              </a:path>
+            </a:pathLst>
+          </a:custGeom>
+          <a:ln w="76200">
+            <a:solidFill>
+              <a:srgbClr val="8DDE00">
+                <a:alpha val="91765"/>
+              </a:srgbClr>
+            </a:solidFill>
+            <a:miter lim="400000"/>
+          </a:ln>
+        </p:spPr>
+        <p:txBody>
+          <a:bodyPr/>
+          <a:lstStyle/>
+          <a:p>
+            <a:endParaRPr sz="1261"/>
+          </a:p>
+        </p:txBody>
+      </p:sp>
+      <p:sp>
+        <p:nvSpPr>
+          <p:cNvPr id="140" name="Connection Line">
+            <a:extLst>
+              <a:ext uri="{FF2B5EF4-FFF2-40B4-BE49-F238E27FC236}">
+                <a16:creationId xmlns:a16="http://schemas.microsoft.com/office/drawing/2014/main" id="{B3325979-3928-CA42-94CB-A72FECBE42A1}"/>
+              </a:ext>
+            </a:extLst>
+          </p:cNvPr>
+          <p:cNvSpPr/>
+          <p:nvPr/>
+        </p:nvSpPr>
+        <p:spPr>
+          <a:xfrm>
+            <a:off x="5307558" y="352450"/>
+            <a:ext cx="456771" cy="497039"/>
+          </a:xfrm>
+          <a:custGeom>
+            <a:avLst/>
+            <a:gdLst/>
+            <a:ahLst/>
+            <a:cxnLst>
+              <a:cxn ang="0">
+                <a:pos x="wd2" y="hd2"/>
+              </a:cxn>
+              <a:cxn ang="5400000">
+                <a:pos x="wd2" y="hd2"/>
+              </a:cxn>
+              <a:cxn ang="10800000">
+                <a:pos x="wd2" y="hd2"/>
+              </a:cxn>
+              <a:cxn ang="16200000">
+                <a:pos x="wd2" y="hd2"/>
+              </a:cxn>
+            </a:cxnLst>
+            <a:rect l="0" t="0" r="r" b="b"/>
+            <a:pathLst>
+              <a:path w="21600" h="21600" extrusionOk="0">
+                <a:moveTo>
+                  <a:pt x="0" y="0"/>
+                </a:moveTo>
+                <a:cubicBezTo>
+                  <a:pt x="10540" y="4586"/>
+                  <a:pt x="17740" y="11786"/>
+                  <a:pt x="21600" y="21600"/>
+                </a:cubicBezTo>
+              </a:path>
+            </a:pathLst>
+          </a:custGeom>
+          <a:ln w="76200">
+            <a:solidFill>
+              <a:srgbClr val="8DDE00">
+                <a:alpha val="91765"/>
+              </a:srgbClr>
+            </a:solidFill>
+            <a:miter lim="400000"/>
+          </a:ln>
+        </p:spPr>
+        <p:txBody>
+          <a:bodyPr/>
+          <a:lstStyle/>
+          <a:p>
+            <a:endParaRPr sz="1261"/>
+          </a:p>
+        </p:txBody>
+      </p:sp>
+      <p:sp>
+        <p:nvSpPr>
+          <p:cNvPr id="141" name="Connection Line">
+            <a:extLst>
+              <a:ext uri="{FF2B5EF4-FFF2-40B4-BE49-F238E27FC236}">
+                <a16:creationId xmlns:a16="http://schemas.microsoft.com/office/drawing/2014/main" id="{9492432F-61E1-814A-9405-D0129B09352B}"/>
+              </a:ext>
+            </a:extLst>
+          </p:cNvPr>
+          <p:cNvSpPr/>
+          <p:nvPr/>
+        </p:nvSpPr>
+        <p:spPr>
+          <a:xfrm>
+            <a:off x="3557220" y="654083"/>
+            <a:ext cx="781238" cy="64977"/>
+          </a:xfrm>
+          <a:custGeom>
+            <a:avLst/>
+            <a:gdLst/>
+            <a:ahLst/>
+            <a:cxnLst>
+              <a:cxn ang="0">
+                <a:pos x="wd2" y="hd2"/>
+              </a:cxn>
+              <a:cxn ang="5400000">
+                <a:pos x="wd2" y="hd2"/>
+              </a:cxn>
+              <a:cxn ang="10800000">
+                <a:pos x="wd2" y="hd2"/>
+              </a:cxn>
+              <a:cxn ang="16200000">
+                <a:pos x="wd2" y="hd2"/>
+              </a:cxn>
+            </a:cxnLst>
+            <a:rect l="0" t="0" r="r" b="b"/>
+            <a:pathLst>
+              <a:path w="21600" h="17431" extrusionOk="0">
+                <a:moveTo>
+                  <a:pt x="0" y="17431"/>
+                </a:moveTo>
+                <a:cubicBezTo>
+                  <a:pt x="6866" y="366"/>
+                  <a:pt x="14066" y="-4169"/>
+                  <a:pt x="21600" y="3825"/>
+                </a:cubicBezTo>
+              </a:path>
+            </a:pathLst>
+          </a:custGeom>
+          <a:ln w="76200">
+            <a:solidFill>
+              <a:srgbClr val="8DDE00">
+                <a:alpha val="91765"/>
+              </a:srgbClr>
+            </a:solidFill>
+            <a:miter lim="400000"/>
+          </a:ln>
+        </p:spPr>
+        <p:txBody>
+          <a:bodyPr/>
+          <a:lstStyle/>
+          <a:p>
+            <a:endParaRPr sz="1261"/>
+          </a:p>
+        </p:txBody>
+      </p:sp>
+      <p:sp>
+        <p:nvSpPr>
+          <p:cNvPr id="142" name="Connection Line">
+            <a:extLst>
+              <a:ext uri="{FF2B5EF4-FFF2-40B4-BE49-F238E27FC236}">
+                <a16:creationId xmlns:a16="http://schemas.microsoft.com/office/drawing/2014/main" id="{5F8F9690-8DBD-DB4B-8BCA-B83E6BC19CF7}"/>
+              </a:ext>
+            </a:extLst>
+          </p:cNvPr>
+          <p:cNvSpPr/>
+          <p:nvPr/>
+        </p:nvSpPr>
+        <p:spPr>
+          <a:xfrm>
+            <a:off x="4071308" y="716903"/>
+            <a:ext cx="450997" cy="264576"/>
+          </a:xfrm>
+          <a:custGeom>
+            <a:avLst/>
+            <a:gdLst/>
+            <a:ahLst/>
+            <a:cxnLst>
+              <a:cxn ang="0">
+                <a:pos x="wd2" y="hd2"/>
+              </a:cxn>
+              <a:cxn ang="5400000">
+                <a:pos x="wd2" y="hd2"/>
+              </a:cxn>
+              <a:cxn ang="10800000">
+                <a:pos x="wd2" y="hd2"/>
+              </a:cxn>
+              <a:cxn ang="16200000">
+                <a:pos x="wd2" y="hd2"/>
+              </a:cxn>
+            </a:cxnLst>
+            <a:rect l="0" t="0" r="r" b="b"/>
+            <a:pathLst>
+              <a:path w="21600" h="21600" extrusionOk="0">
+                <a:moveTo>
+                  <a:pt x="0" y="21600"/>
+                </a:moveTo>
+                <a:cubicBezTo>
+                  <a:pt x="6195" y="11954"/>
+                  <a:pt x="13395" y="4754"/>
+                  <a:pt x="21600" y="0"/>
+                </a:cubicBezTo>
+              </a:path>
+            </a:pathLst>
+          </a:custGeom>
+          <a:ln w="76200">
+            <a:solidFill>
+              <a:srgbClr val="DD8400">
+                <a:alpha val="91765"/>
+              </a:srgbClr>
+            </a:solidFill>
+            <a:miter lim="400000"/>
+          </a:ln>
+        </p:spPr>
+        <p:txBody>
+          <a:bodyPr/>
+          <a:lstStyle/>
+          <a:p>
+            <a:endParaRPr sz="1261"/>
+          </a:p>
+        </p:txBody>
+      </p:sp>
+      <p:sp>
+        <p:nvSpPr>
+          <p:cNvPr id="143" name="Connection Line">
+            <a:extLst>
+              <a:ext uri="{FF2B5EF4-FFF2-40B4-BE49-F238E27FC236}">
+                <a16:creationId xmlns:a16="http://schemas.microsoft.com/office/drawing/2014/main" id="{D2616DA3-ABAB-F04E-9D4A-C3E040487E93}"/>
+              </a:ext>
+            </a:extLst>
+          </p:cNvPr>
+          <p:cNvSpPr/>
+          <p:nvPr/>
+        </p:nvSpPr>
+        <p:spPr>
+          <a:xfrm>
+            <a:off x="4043280" y="981535"/>
+            <a:ext cx="1046139" cy="107543"/>
+          </a:xfrm>
+          <a:custGeom>
+            <a:avLst/>
+            <a:gdLst/>
+            <a:ahLst/>
+            <a:cxnLst>
+              <a:cxn ang="0">
+                <a:pos x="wd2" y="hd2"/>
+              </a:cxn>
+              <a:cxn ang="5400000">
+                <a:pos x="wd2" y="hd2"/>
+              </a:cxn>
+              <a:cxn ang="10800000">
+                <a:pos x="wd2" y="hd2"/>
+              </a:cxn>
+              <a:cxn ang="16200000">
+                <a:pos x="wd2" y="hd2"/>
+              </a:cxn>
+            </a:cxnLst>
+            <a:rect l="0" t="0" r="r" b="b"/>
+            <a:pathLst>
+              <a:path w="21600" h="21600" extrusionOk="0">
+                <a:moveTo>
+                  <a:pt x="0" y="0"/>
+                </a:moveTo>
+                <a:lnTo>
+                  <a:pt x="21600" y="21600"/>
+                </a:lnTo>
+              </a:path>
+            </a:pathLst>
+          </a:custGeom>
+          <a:ln w="76200">
+            <a:solidFill>
+              <a:srgbClr val="DD8400">
+                <a:alpha val="91765"/>
+              </a:srgbClr>
+            </a:solidFill>
+            <a:miter lim="400000"/>
+          </a:ln>
+        </p:spPr>
+        <p:txBody>
+          <a:bodyPr/>
+          <a:lstStyle/>
+          <a:p>
+            <a:endParaRPr sz="1261"/>
+          </a:p>
+        </p:txBody>
+      </p:sp>
+      <p:sp>
+        <p:nvSpPr>
+          <p:cNvPr id="144" name="Connection Line">
+            <a:extLst>
+              <a:ext uri="{FF2B5EF4-FFF2-40B4-BE49-F238E27FC236}">
+                <a16:creationId xmlns:a16="http://schemas.microsoft.com/office/drawing/2014/main" id="{CD1B61D1-1F1A-F642-9CCC-FAC23E5AF693}"/>
+              </a:ext>
+            </a:extLst>
+          </p:cNvPr>
+          <p:cNvSpPr/>
+          <p:nvPr/>
+        </p:nvSpPr>
+        <p:spPr>
+          <a:xfrm>
+            <a:off x="5256137" y="231608"/>
+            <a:ext cx="1094609" cy="464969"/>
+          </a:xfrm>
+          <a:custGeom>
+            <a:avLst/>
+            <a:gdLst/>
+            <a:ahLst/>
+            <a:cxnLst>
+              <a:cxn ang="0">
+                <a:pos x="wd2" y="hd2"/>
+              </a:cxn>
+              <a:cxn ang="5400000">
+                <a:pos x="wd2" y="hd2"/>
+              </a:cxn>
+              <a:cxn ang="10800000">
+                <a:pos x="wd2" y="hd2"/>
+              </a:cxn>
+              <a:cxn ang="16200000">
+                <a:pos x="wd2" y="hd2"/>
+              </a:cxn>
+            </a:cxnLst>
+            <a:rect l="0" t="0" r="r" b="b"/>
+            <a:pathLst>
+              <a:path w="21600" h="16893" extrusionOk="0">
+                <a:moveTo>
+                  <a:pt x="0" y="16893"/>
+                </a:moveTo>
+                <a:cubicBezTo>
+                  <a:pt x="2852" y="-1069"/>
+                  <a:pt x="10052" y="-4707"/>
+                  <a:pt x="21600" y="5979"/>
+                </a:cubicBezTo>
+              </a:path>
+            </a:pathLst>
+          </a:custGeom>
+          <a:ln w="76200">
+            <a:solidFill>
+              <a:srgbClr val="DD8400">
+                <a:alpha val="91765"/>
+              </a:srgbClr>
+            </a:solidFill>
+            <a:miter lim="400000"/>
+          </a:ln>
+        </p:spPr>
+        <p:txBody>
+          <a:bodyPr/>
+          <a:lstStyle/>
+          <a:p>
+            <a:endParaRPr sz="1261"/>
+          </a:p>
+        </p:txBody>
+      </p:sp>
+      <p:sp>
+        <p:nvSpPr>
+          <p:cNvPr id="145" name="Connection Line">
+            <a:extLst>
+              <a:ext uri="{FF2B5EF4-FFF2-40B4-BE49-F238E27FC236}">
+                <a16:creationId xmlns:a16="http://schemas.microsoft.com/office/drawing/2014/main" id="{856C8D42-2EC1-8A4C-B430-CB239C8C9CEF}"/>
+              </a:ext>
+            </a:extLst>
+          </p:cNvPr>
+          <p:cNvSpPr/>
+          <p:nvPr/>
+        </p:nvSpPr>
+        <p:spPr>
+          <a:xfrm>
+            <a:off x="5060826" y="1077621"/>
+            <a:ext cx="415567" cy="929179"/>
+          </a:xfrm>
+          <a:custGeom>
+            <a:avLst/>
+            <a:gdLst/>
+            <a:ahLst/>
+            <a:cxnLst>
+              <a:cxn ang="0">
+                <a:pos x="wd2" y="hd2"/>
+              </a:cxn>
+              <a:cxn ang="5400000">
+                <a:pos x="wd2" y="hd2"/>
+              </a:cxn>
+              <a:cxn ang="10800000">
+                <a:pos x="wd2" y="hd2"/>
+              </a:cxn>
+              <a:cxn ang="16200000">
+                <a:pos x="wd2" y="hd2"/>
+              </a:cxn>
+            </a:cxnLst>
+            <a:rect l="0" t="0" r="r" b="b"/>
+            <a:pathLst>
+              <a:path w="20565" h="21600" extrusionOk="0">
+                <a:moveTo>
+                  <a:pt x="0" y="0"/>
+                </a:moveTo>
+                <a:cubicBezTo>
+                  <a:pt x="14787" y="7590"/>
+                  <a:pt x="21600" y="14790"/>
+                  <a:pt x="20438" y="21600"/>
+                </a:cubicBezTo>
+              </a:path>
+            </a:pathLst>
+          </a:custGeom>
+          <a:ln w="76200">
+            <a:solidFill>
+              <a:srgbClr val="DD8400">
+                <a:alpha val="91765"/>
+              </a:srgbClr>
+            </a:solidFill>
+            <a:miter lim="400000"/>
+          </a:ln>
+        </p:spPr>
+        <p:txBody>
+          <a:bodyPr/>
+          <a:lstStyle/>
+          <a:p>
+            <a:endParaRPr sz="1261"/>
+          </a:p>
+        </p:txBody>
+      </p:sp>
+      <p:sp>
+        <p:nvSpPr>
+          <p:cNvPr id="146" name="Connection Line">
+            <a:extLst>
+              <a:ext uri="{FF2B5EF4-FFF2-40B4-BE49-F238E27FC236}">
+                <a16:creationId xmlns:a16="http://schemas.microsoft.com/office/drawing/2014/main" id="{7835B23B-2067-894C-9A2F-1CE280C9CE7A}"/>
+              </a:ext>
+            </a:extLst>
+          </p:cNvPr>
+          <p:cNvSpPr/>
+          <p:nvPr/>
+        </p:nvSpPr>
+        <p:spPr>
+          <a:xfrm>
+            <a:off x="6257191" y="352450"/>
+            <a:ext cx="456771" cy="497039"/>
+          </a:xfrm>
+          <a:custGeom>
+            <a:avLst/>
+            <a:gdLst/>
+            <a:ahLst/>
+            <a:cxnLst>
+              <a:cxn ang="0">
+                <a:pos x="wd2" y="hd2"/>
+              </a:cxn>
+              <a:cxn ang="5400000">
+                <a:pos x="wd2" y="hd2"/>
+              </a:cxn>
+              <a:cxn ang="10800000">
+                <a:pos x="wd2" y="hd2"/>
+              </a:cxn>
+              <a:cxn ang="16200000">
+                <a:pos x="wd2" y="hd2"/>
+              </a:cxn>
+            </a:cxnLst>
+            <a:rect l="0" t="0" r="r" b="b"/>
+            <a:pathLst>
+              <a:path w="21600" h="21600" extrusionOk="0">
+                <a:moveTo>
+                  <a:pt x="0" y="0"/>
+                </a:moveTo>
+                <a:cubicBezTo>
+                  <a:pt x="10540" y="4586"/>
+                  <a:pt x="17740" y="11786"/>
+                  <a:pt x="21600" y="21600"/>
+                </a:cubicBezTo>
+              </a:path>
+            </a:pathLst>
+          </a:custGeom>
+          <a:ln w="76200">
+            <a:solidFill>
+              <a:srgbClr val="DD8400">
+                <a:alpha val="91765"/>
+              </a:srgbClr>
+            </a:solidFill>
+            <a:miter lim="400000"/>
+          </a:ln>
+        </p:spPr>
+        <p:txBody>
+          <a:bodyPr/>
+          <a:lstStyle/>
+          <a:p>
+            <a:endParaRPr sz="1261"/>
+          </a:p>
+        </p:txBody>
+      </p:sp>
+      <p:sp>
+        <p:nvSpPr>
+          <p:cNvPr id="147" name="Connection Line">
+            <a:extLst>
+              <a:ext uri="{FF2B5EF4-FFF2-40B4-BE49-F238E27FC236}">
+                <a16:creationId xmlns:a16="http://schemas.microsoft.com/office/drawing/2014/main" id="{75229AA8-401F-FF49-866F-3AC1AAC71BAD}"/>
+              </a:ext>
+            </a:extLst>
+          </p:cNvPr>
+          <p:cNvSpPr/>
+          <p:nvPr/>
+        </p:nvSpPr>
+        <p:spPr>
+          <a:xfrm>
+            <a:off x="4506850" y="654083"/>
+            <a:ext cx="781238" cy="64977"/>
+          </a:xfrm>
+          <a:custGeom>
+            <a:avLst/>
+            <a:gdLst/>
+            <a:ahLst/>
+            <a:cxnLst>
+              <a:cxn ang="0">
+                <a:pos x="wd2" y="hd2"/>
+              </a:cxn>
+              <a:cxn ang="5400000">
+                <a:pos x="wd2" y="hd2"/>
+              </a:cxn>
+              <a:cxn ang="10800000">
+                <a:pos x="wd2" y="hd2"/>
+              </a:cxn>
+              <a:cxn ang="16200000">
+                <a:pos x="wd2" y="hd2"/>
+              </a:cxn>
+            </a:cxnLst>
+            <a:rect l="0" t="0" r="r" b="b"/>
+            <a:pathLst>
+              <a:path w="21600" h="17431" extrusionOk="0">
+                <a:moveTo>
+                  <a:pt x="0" y="17431"/>
+                </a:moveTo>
+                <a:cubicBezTo>
+                  <a:pt x="6866" y="366"/>
+                  <a:pt x="14066" y="-4169"/>
+                  <a:pt x="21600" y="3825"/>
+                </a:cubicBezTo>
+              </a:path>
+            </a:pathLst>
+          </a:custGeom>
+          <a:ln w="76200">
+            <a:solidFill>
+              <a:srgbClr val="DD8400">
+                <a:alpha val="91765"/>
+              </a:srgbClr>
+            </a:solidFill>
+            <a:miter lim="400000"/>
+          </a:ln>
+        </p:spPr>
+        <p:txBody>
+          <a:bodyPr/>
+          <a:lstStyle/>
+          <a:p>
+            <a:endParaRPr sz="1261"/>
+          </a:p>
+        </p:txBody>
+      </p:sp>
+      <p:sp>
+        <p:nvSpPr>
+          <p:cNvPr id="148" name="Connection Line">
+            <a:extLst>
+              <a:ext uri="{FF2B5EF4-FFF2-40B4-BE49-F238E27FC236}">
+                <a16:creationId xmlns:a16="http://schemas.microsoft.com/office/drawing/2014/main" id="{5476378A-7881-C14E-BA1C-349073E326F0}"/>
+              </a:ext>
+            </a:extLst>
+          </p:cNvPr>
+          <p:cNvSpPr/>
+          <p:nvPr/>
+        </p:nvSpPr>
+        <p:spPr>
+          <a:xfrm>
+            <a:off x="5015778" y="716902"/>
+            <a:ext cx="450997" cy="264576"/>
+          </a:xfrm>
+          <a:custGeom>
+            <a:avLst/>
+            <a:gdLst/>
+            <a:ahLst/>
+            <a:cxnLst>
+              <a:cxn ang="0">
+                <a:pos x="wd2" y="hd2"/>
+              </a:cxn>
+              <a:cxn ang="5400000">
+                <a:pos x="wd2" y="hd2"/>
+              </a:cxn>
+              <a:cxn ang="10800000">
+                <a:pos x="wd2" y="hd2"/>
+              </a:cxn>
+              <a:cxn ang="16200000">
+                <a:pos x="wd2" y="hd2"/>
+              </a:cxn>
+            </a:cxnLst>
+            <a:rect l="0" t="0" r="r" b="b"/>
+            <a:pathLst>
+              <a:path w="21600" h="21600" extrusionOk="0">
+                <a:moveTo>
+                  <a:pt x="0" y="21600"/>
+                </a:moveTo>
+                <a:cubicBezTo>
+                  <a:pt x="6195" y="11954"/>
+                  <a:pt x="13395" y="4754"/>
+                  <a:pt x="21600" y="0"/>
+                </a:cubicBezTo>
+              </a:path>
+            </a:pathLst>
+          </a:custGeom>
+          <a:ln w="76200">
+            <a:solidFill>
+              <a:srgbClr val="DD5F54">
+                <a:alpha val="91765"/>
+              </a:srgbClr>
+            </a:solidFill>
+            <a:miter lim="400000"/>
+          </a:ln>
+        </p:spPr>
+        <p:txBody>
+          <a:bodyPr/>
+          <a:lstStyle/>
+          <a:p>
+            <a:endParaRPr sz="1261"/>
+          </a:p>
+        </p:txBody>
+      </p:sp>
+      <p:sp>
+        <p:nvSpPr>
+          <p:cNvPr id="149" name="Connection Line">
+            <a:extLst>
+              <a:ext uri="{FF2B5EF4-FFF2-40B4-BE49-F238E27FC236}">
+                <a16:creationId xmlns:a16="http://schemas.microsoft.com/office/drawing/2014/main" id="{D87ADA90-B04E-974D-B81D-243F659E1499}"/>
+              </a:ext>
+            </a:extLst>
+          </p:cNvPr>
+          <p:cNvSpPr/>
+          <p:nvPr/>
+        </p:nvSpPr>
+        <p:spPr>
+          <a:xfrm>
+            <a:off x="4987752" y="981535"/>
+            <a:ext cx="1046139" cy="107543"/>
+          </a:xfrm>
+          <a:custGeom>
+            <a:avLst/>
+            <a:gdLst/>
+            <a:ahLst/>
+            <a:cxnLst>
+              <a:cxn ang="0">
+                <a:pos x="wd2" y="hd2"/>
+              </a:cxn>
+              <a:cxn ang="5400000">
+                <a:pos x="wd2" y="hd2"/>
+              </a:cxn>
+              <a:cxn ang="10800000">
+                <a:pos x="wd2" y="hd2"/>
+              </a:cxn>
+              <a:cxn ang="16200000">
+                <a:pos x="wd2" y="hd2"/>
+              </a:cxn>
+            </a:cxnLst>
+            <a:rect l="0" t="0" r="r" b="b"/>
+            <a:pathLst>
+              <a:path w="21600" h="21600" extrusionOk="0">
+                <a:moveTo>
+                  <a:pt x="0" y="0"/>
+                </a:moveTo>
+                <a:lnTo>
+                  <a:pt x="21600" y="21600"/>
+                </a:lnTo>
+              </a:path>
+            </a:pathLst>
+          </a:custGeom>
+          <a:ln w="76200">
+            <a:solidFill>
+              <a:srgbClr val="DD5F54">
+                <a:alpha val="91765"/>
+              </a:srgbClr>
+            </a:solidFill>
+            <a:miter lim="400000"/>
+          </a:ln>
+        </p:spPr>
+        <p:txBody>
+          <a:bodyPr/>
+          <a:lstStyle/>
+          <a:p>
+            <a:endParaRPr sz="1261"/>
+          </a:p>
+        </p:txBody>
+      </p:sp>
+      <p:sp>
+        <p:nvSpPr>
+          <p:cNvPr id="150" name="Connection Line">
+            <a:extLst>
+              <a:ext uri="{FF2B5EF4-FFF2-40B4-BE49-F238E27FC236}">
+                <a16:creationId xmlns:a16="http://schemas.microsoft.com/office/drawing/2014/main" id="{3A778B0D-7BEA-2B45-B3E7-D97C0A7DBF52}"/>
+              </a:ext>
+            </a:extLst>
+          </p:cNvPr>
+          <p:cNvSpPr/>
+          <p:nvPr/>
+        </p:nvSpPr>
+        <p:spPr>
+          <a:xfrm>
+            <a:off x="6200606" y="231607"/>
+            <a:ext cx="1094609" cy="464969"/>
+          </a:xfrm>
+          <a:custGeom>
+            <a:avLst/>
+            <a:gdLst/>
+            <a:ahLst/>
+            <a:cxnLst>
+              <a:cxn ang="0">
+                <a:pos x="wd2" y="hd2"/>
+              </a:cxn>
+              <a:cxn ang="5400000">
+                <a:pos x="wd2" y="hd2"/>
+              </a:cxn>
+              <a:cxn ang="10800000">
+                <a:pos x="wd2" y="hd2"/>
+              </a:cxn>
+              <a:cxn ang="16200000">
+                <a:pos x="wd2" y="hd2"/>
+              </a:cxn>
+            </a:cxnLst>
+            <a:rect l="0" t="0" r="r" b="b"/>
+            <a:pathLst>
+              <a:path w="21600" h="16893" extrusionOk="0">
+                <a:moveTo>
+                  <a:pt x="0" y="16893"/>
+                </a:moveTo>
+                <a:cubicBezTo>
+                  <a:pt x="2852" y="-1069"/>
+                  <a:pt x="10052" y="-4707"/>
+                  <a:pt x="21600" y="5979"/>
+                </a:cubicBezTo>
+              </a:path>
+            </a:pathLst>
+          </a:custGeom>
+          <a:ln w="76200">
+            <a:solidFill>
+              <a:srgbClr val="DD5F54">
+                <a:alpha val="91765"/>
+              </a:srgbClr>
+            </a:solidFill>
+            <a:miter lim="400000"/>
+          </a:ln>
+        </p:spPr>
+        <p:txBody>
+          <a:bodyPr/>
+          <a:lstStyle/>
+          <a:p>
+            <a:endParaRPr sz="1261"/>
+          </a:p>
+        </p:txBody>
+      </p:sp>
+      <p:sp>
+        <p:nvSpPr>
+          <p:cNvPr id="151" name="Connection Line">
+            <a:extLst>
+              <a:ext uri="{FF2B5EF4-FFF2-40B4-BE49-F238E27FC236}">
+                <a16:creationId xmlns:a16="http://schemas.microsoft.com/office/drawing/2014/main" id="{4A099DBD-5B31-5842-82E7-14010A4DFE17}"/>
+              </a:ext>
+            </a:extLst>
+          </p:cNvPr>
+          <p:cNvSpPr/>
+          <p:nvPr/>
+        </p:nvSpPr>
+        <p:spPr>
+          <a:xfrm>
+            <a:off x="6005294" y="1077620"/>
+            <a:ext cx="415566" cy="929179"/>
+          </a:xfrm>
+          <a:custGeom>
+            <a:avLst/>
+            <a:gdLst/>
+            <a:ahLst/>
+            <a:cxnLst>
+              <a:cxn ang="0">
+                <a:pos x="wd2" y="hd2"/>
+              </a:cxn>
+              <a:cxn ang="5400000">
+                <a:pos x="wd2" y="hd2"/>
+              </a:cxn>
+              <a:cxn ang="10800000">
+                <a:pos x="wd2" y="hd2"/>
+              </a:cxn>
+              <a:cxn ang="16200000">
+                <a:pos x="wd2" y="hd2"/>
+              </a:cxn>
+            </a:cxnLst>
+            <a:rect l="0" t="0" r="r" b="b"/>
+            <a:pathLst>
+              <a:path w="20565" h="21600" extrusionOk="0">
+                <a:moveTo>
+                  <a:pt x="0" y="0"/>
+                </a:moveTo>
+                <a:cubicBezTo>
+                  <a:pt x="14787" y="7590"/>
+                  <a:pt x="21600" y="14790"/>
+                  <a:pt x="20438" y="21600"/>
+                </a:cubicBezTo>
+              </a:path>
+            </a:pathLst>
+          </a:custGeom>
+          <a:ln w="76200">
+            <a:solidFill>
+              <a:srgbClr val="DD5F54">
+                <a:alpha val="91765"/>
+              </a:srgbClr>
+            </a:solidFill>
+            <a:miter lim="400000"/>
+          </a:ln>
+        </p:spPr>
+        <p:txBody>
+          <a:bodyPr/>
+          <a:lstStyle/>
+          <a:p>
+            <a:endParaRPr sz="1261"/>
+          </a:p>
+        </p:txBody>
+      </p:sp>
+      <p:sp>
+        <p:nvSpPr>
+          <p:cNvPr id="152" name="Connection Line">
+            <a:extLst>
+              <a:ext uri="{FF2B5EF4-FFF2-40B4-BE49-F238E27FC236}">
+                <a16:creationId xmlns:a16="http://schemas.microsoft.com/office/drawing/2014/main" id="{C499DD67-B86C-454A-AAFF-B15CB28BE1AF}"/>
+              </a:ext>
+            </a:extLst>
+          </p:cNvPr>
+          <p:cNvSpPr/>
+          <p:nvPr/>
+        </p:nvSpPr>
+        <p:spPr>
+          <a:xfrm>
+            <a:off x="7201663" y="352450"/>
+            <a:ext cx="456771" cy="497039"/>
+          </a:xfrm>
+          <a:custGeom>
+            <a:avLst/>
+            <a:gdLst/>
+            <a:ahLst/>
+            <a:cxnLst>
+              <a:cxn ang="0">
+                <a:pos x="wd2" y="hd2"/>
+              </a:cxn>
+              <a:cxn ang="5400000">
+                <a:pos x="wd2" y="hd2"/>
+              </a:cxn>
+              <a:cxn ang="10800000">
+                <a:pos x="wd2" y="hd2"/>
+              </a:cxn>
+              <a:cxn ang="16200000">
+                <a:pos x="wd2" y="hd2"/>
+              </a:cxn>
+            </a:cxnLst>
+            <a:rect l="0" t="0" r="r" b="b"/>
+            <a:pathLst>
+              <a:path w="21600" h="21600" extrusionOk="0">
+                <a:moveTo>
+                  <a:pt x="0" y="0"/>
+                </a:moveTo>
+                <a:cubicBezTo>
+                  <a:pt x="10540" y="4586"/>
+                  <a:pt x="17740" y="11786"/>
+                  <a:pt x="21600" y="21600"/>
+                </a:cubicBezTo>
+              </a:path>
+            </a:pathLst>
+          </a:custGeom>
+          <a:ln w="76200">
+            <a:solidFill>
+              <a:srgbClr val="DD5F54">
+                <a:alpha val="91765"/>
+              </a:srgbClr>
+            </a:solidFill>
+            <a:miter lim="400000"/>
+          </a:ln>
+        </p:spPr>
+        <p:txBody>
+          <a:bodyPr/>
+          <a:lstStyle/>
+          <a:p>
+            <a:endParaRPr sz="1261"/>
+          </a:p>
+        </p:txBody>
+      </p:sp>
+      <p:sp>
+        <p:nvSpPr>
+          <p:cNvPr id="153" name="Connection Line">
+            <a:extLst>
+              <a:ext uri="{FF2B5EF4-FFF2-40B4-BE49-F238E27FC236}">
+                <a16:creationId xmlns:a16="http://schemas.microsoft.com/office/drawing/2014/main" id="{352731F3-6B0F-F849-8EE2-BFA7F3684528}"/>
+              </a:ext>
+            </a:extLst>
+          </p:cNvPr>
+          <p:cNvSpPr/>
+          <p:nvPr/>
+        </p:nvSpPr>
+        <p:spPr>
+          <a:xfrm>
+            <a:off x="5451321" y="654083"/>
+            <a:ext cx="781238" cy="64977"/>
+          </a:xfrm>
+          <a:custGeom>
+            <a:avLst/>
+            <a:gdLst/>
+            <a:ahLst/>
+            <a:cxnLst>
+              <a:cxn ang="0">
+                <a:pos x="wd2" y="hd2"/>
+              </a:cxn>
+              <a:cxn ang="5400000">
+                <a:pos x="wd2" y="hd2"/>
+              </a:cxn>
+              <a:cxn ang="10800000">
+                <a:pos x="wd2" y="hd2"/>
+              </a:cxn>
+              <a:cxn ang="16200000">
+                <a:pos x="wd2" y="hd2"/>
+              </a:cxn>
+            </a:cxnLst>
+            <a:rect l="0" t="0" r="r" b="b"/>
+            <a:pathLst>
+              <a:path w="21600" h="17431" extrusionOk="0">
+                <a:moveTo>
+                  <a:pt x="0" y="17431"/>
+                </a:moveTo>
+                <a:cubicBezTo>
+                  <a:pt x="6866" y="366"/>
+                  <a:pt x="14066" y="-4169"/>
+                  <a:pt x="21600" y="3825"/>
+                </a:cubicBezTo>
+              </a:path>
+            </a:pathLst>
+          </a:custGeom>
+          <a:ln w="76200">
+            <a:solidFill>
+              <a:srgbClr val="DD5F54">
+                <a:alpha val="91765"/>
+              </a:srgbClr>
+            </a:solidFill>
+            <a:miter lim="400000"/>
+          </a:ln>
+        </p:spPr>
+        <p:txBody>
+          <a:bodyPr/>
+          <a:lstStyle/>
+          <a:p>
+            <a:endParaRPr sz="1261"/>
+          </a:p>
+        </p:txBody>
+      </p:sp>
+      <p:sp>
+        <p:nvSpPr>
+          <p:cNvPr id="154" name="Line">
+            <a:extLst>
+              <a:ext uri="{FF2B5EF4-FFF2-40B4-BE49-F238E27FC236}">
+                <a16:creationId xmlns:a16="http://schemas.microsoft.com/office/drawing/2014/main" id="{AB4EC98E-F94E-0C47-A19F-09618BA17924}"/>
+              </a:ext>
+            </a:extLst>
+          </p:cNvPr>
+          <p:cNvSpPr/>
+          <p:nvPr/>
+        </p:nvSpPr>
+        <p:spPr>
+          <a:xfrm>
+            <a:off x="269579" y="2146416"/>
+            <a:ext cx="7388855" cy="8225"/>
+          </a:xfrm>
+          <a:prstGeom prst="line">
+            <a:avLst/>
+          </a:prstGeom>
+          <a:ln w="38100">
+            <a:solidFill>
+              <a:srgbClr val="000000"/>
+            </a:solidFill>
+            <a:miter lim="400000"/>
+          </a:ln>
+        </p:spPr>
+        <p:txBody>
+          <a:bodyPr lIns="36286" tIns="36286" rIns="36286" bIns="36286" anchor="ctr"/>
+          <a:lstStyle/>
+          <a:p>
+            <a:endParaRPr sz="1261"/>
+          </a:p>
+        </p:txBody>
+      </p:sp>
     </p:spTree>
     <p:extLst>
       <p:ext uri="{BB962C8B-B14F-4D97-AF65-F5344CB8AC3E}">
